--- a/presentations/data_exploration.pptx
+++ b/presentations/data_exploration.pptx
@@ -5,26 +5,26 @@
     <p:sldMasterId id="2147483648" r:id="rId1"/>
   </p:sldMasterIdLst>
   <p:sldIdLst>
-    <p:sldId id="274" r:id="rId2"/>
-    <p:sldId id="259" r:id="rId3"/>
-    <p:sldId id="258" r:id="rId4"/>
-    <p:sldId id="260" r:id="rId5"/>
-    <p:sldId id="261" r:id="rId6"/>
-    <p:sldId id="262" r:id="rId7"/>
-    <p:sldId id="263" r:id="rId8"/>
-    <p:sldId id="269" r:id="rId9"/>
-    <p:sldId id="272" r:id="rId10"/>
-    <p:sldId id="264" r:id="rId11"/>
-    <p:sldId id="265" r:id="rId12"/>
-    <p:sldId id="266" r:id="rId13"/>
-    <p:sldId id="267" r:id="rId14"/>
-    <p:sldId id="268" r:id="rId15"/>
-    <p:sldId id="270" r:id="rId16"/>
-    <p:sldId id="273" r:id="rId17"/>
-    <p:sldId id="271" r:id="rId18"/>
-    <p:sldId id="257" r:id="rId19"/>
-    <p:sldId id="256" r:id="rId20"/>
-    <p:sldId id="275" r:id="rId21"/>
+    <p:sldId id="283" r:id="rId2"/>
+    <p:sldId id="284" r:id="rId3"/>
+    <p:sldId id="274" r:id="rId4"/>
+    <p:sldId id="259" r:id="rId5"/>
+    <p:sldId id="258" r:id="rId6"/>
+    <p:sldId id="260" r:id="rId7"/>
+    <p:sldId id="261" r:id="rId8"/>
+    <p:sldId id="262" r:id="rId9"/>
+    <p:sldId id="263" r:id="rId10"/>
+    <p:sldId id="269" r:id="rId11"/>
+    <p:sldId id="272" r:id="rId12"/>
+    <p:sldId id="264" r:id="rId13"/>
+    <p:sldId id="265" r:id="rId14"/>
+    <p:sldId id="266" r:id="rId15"/>
+    <p:sldId id="267" r:id="rId16"/>
+    <p:sldId id="268" r:id="rId17"/>
+    <p:sldId id="270" r:id="rId18"/>
+    <p:sldId id="273" r:id="rId19"/>
+    <p:sldId id="271" r:id="rId20"/>
+    <p:sldId id="285" r:id="rId21"/>
     <p:sldId id="276" r:id="rId22"/>
     <p:sldId id="277" r:id="rId23"/>
     <p:sldId id="278" r:id="rId24"/>
@@ -32,6 +32,9 @@
     <p:sldId id="280" r:id="rId26"/>
     <p:sldId id="281" r:id="rId27"/>
     <p:sldId id="282" r:id="rId28"/>
+    <p:sldId id="257" r:id="rId29"/>
+    <p:sldId id="256" r:id="rId30"/>
+    <p:sldId id="275" r:id="rId31"/>
   </p:sldIdLst>
   <p:sldSz cx="9144000" cy="6858000" type="screen4x3"/>
   <p:notesSz cx="6858000" cy="9144000"/>
@@ -314,7 +317,7 @@
           <a:p>
             <a:fld id="{1B6194FF-E74E-D247-A67E-DB53EF25D534}" type="datetimeFigureOut">
               <a:rPr lang="en-US" smtClean="0"/>
-              <a:t>12/25/13</a:t>
+              <a:t>1/6/14</a:t>
             </a:fld>
             <a:endParaRPr lang="en-US"/>
           </a:p>
@@ -484,7 +487,7 @@
           <a:p>
             <a:fld id="{1B6194FF-E74E-D247-A67E-DB53EF25D534}" type="datetimeFigureOut">
               <a:rPr lang="en-US" smtClean="0"/>
-              <a:t>12/25/13</a:t>
+              <a:t>1/6/14</a:t>
             </a:fld>
             <a:endParaRPr lang="en-US"/>
           </a:p>
@@ -664,7 +667,7 @@
           <a:p>
             <a:fld id="{1B6194FF-E74E-D247-A67E-DB53EF25D534}" type="datetimeFigureOut">
               <a:rPr lang="en-US" smtClean="0"/>
-              <a:t>12/25/13</a:t>
+              <a:t>1/6/14</a:t>
             </a:fld>
             <a:endParaRPr lang="en-US"/>
           </a:p>
@@ -834,7 +837,7 @@
           <a:p>
             <a:fld id="{1B6194FF-E74E-D247-A67E-DB53EF25D534}" type="datetimeFigureOut">
               <a:rPr lang="en-US" smtClean="0"/>
-              <a:t>12/25/13</a:t>
+              <a:t>1/6/14</a:t>
             </a:fld>
             <a:endParaRPr lang="en-US"/>
           </a:p>
@@ -1080,7 +1083,7 @@
           <a:p>
             <a:fld id="{1B6194FF-E74E-D247-A67E-DB53EF25D534}" type="datetimeFigureOut">
               <a:rPr lang="en-US" smtClean="0"/>
-              <a:t>12/25/13</a:t>
+              <a:t>1/6/14</a:t>
             </a:fld>
             <a:endParaRPr lang="en-US"/>
           </a:p>
@@ -1368,7 +1371,7 @@
           <a:p>
             <a:fld id="{1B6194FF-E74E-D247-A67E-DB53EF25D534}" type="datetimeFigureOut">
               <a:rPr lang="en-US" smtClean="0"/>
-              <a:t>12/25/13</a:t>
+              <a:t>1/6/14</a:t>
             </a:fld>
             <a:endParaRPr lang="en-US"/>
           </a:p>
@@ -1790,7 +1793,7 @@
           <a:p>
             <a:fld id="{1B6194FF-E74E-D247-A67E-DB53EF25D534}" type="datetimeFigureOut">
               <a:rPr lang="en-US" smtClean="0"/>
-              <a:t>12/25/13</a:t>
+              <a:t>1/6/14</a:t>
             </a:fld>
             <a:endParaRPr lang="en-US"/>
           </a:p>
@@ -1908,7 +1911,7 @@
           <a:p>
             <a:fld id="{1B6194FF-E74E-D247-A67E-DB53EF25D534}" type="datetimeFigureOut">
               <a:rPr lang="en-US" smtClean="0"/>
-              <a:t>12/25/13</a:t>
+              <a:t>1/6/14</a:t>
             </a:fld>
             <a:endParaRPr lang="en-US"/>
           </a:p>
@@ -2003,7 +2006,7 @@
           <a:p>
             <a:fld id="{1B6194FF-E74E-D247-A67E-DB53EF25D534}" type="datetimeFigureOut">
               <a:rPr lang="en-US" smtClean="0"/>
-              <a:t>12/25/13</a:t>
+              <a:t>1/6/14</a:t>
             </a:fld>
             <a:endParaRPr lang="en-US"/>
           </a:p>
@@ -2280,7 +2283,7 @@
           <a:p>
             <a:fld id="{1B6194FF-E74E-D247-A67E-DB53EF25D534}" type="datetimeFigureOut">
               <a:rPr lang="en-US" smtClean="0"/>
-              <a:t>12/25/13</a:t>
+              <a:t>1/6/14</a:t>
             </a:fld>
             <a:endParaRPr lang="en-US"/>
           </a:p>
@@ -2533,7 +2536,7 @@
           <a:p>
             <a:fld id="{1B6194FF-E74E-D247-A67E-DB53EF25D534}" type="datetimeFigureOut">
               <a:rPr lang="en-US" smtClean="0"/>
-              <a:t>12/25/13</a:t>
+              <a:t>1/6/14</a:t>
             </a:fld>
             <a:endParaRPr lang="en-US"/>
           </a:p>
@@ -2746,7 +2749,7 @@
           <a:p>
             <a:fld id="{1B6194FF-E74E-D247-A67E-DB53EF25D534}" type="datetimeFigureOut">
               <a:rPr lang="en-US" smtClean="0"/>
-              <a:t>12/25/13</a:t>
+              <a:t>1/6/14</a:t>
             </a:fld>
             <a:endParaRPr lang="en-US"/>
           </a:p>
@@ -3121,106 +3124,50 @@
           <a:chExt cx="0" cy="0"/>
         </a:xfrm>
       </p:grpSpPr>
-      <p:pic>
-        <p:nvPicPr>
-          <p:cNvPr id="4" name="Picture 3"/>
-          <p:cNvPicPr>
-            <a:picLocks noChangeAspect="1"/>
-          </p:cNvPicPr>
-          <p:nvPr/>
-        </p:nvPicPr>
-        <p:blipFill>
-          <a:blip r:embed="rId2"/>
-          <a:stretch>
-            <a:fillRect/>
-          </a:stretch>
-        </p:blipFill>
-        <p:spPr>
-          <a:xfrm>
-            <a:off x="274984" y="0"/>
-            <a:ext cx="6755130" cy="6858000"/>
-          </a:xfrm>
-          <a:prstGeom prst="rect">
-            <a:avLst/>
-          </a:prstGeom>
-        </p:spPr>
-      </p:pic>
-      <p:sp>
-        <p:nvSpPr>
-          <p:cNvPr id="5" name="TextBox 4"/>
-          <p:cNvSpPr txBox="1"/>
-          <p:nvPr/>
-        </p:nvSpPr>
-        <p:spPr>
-          <a:xfrm>
-            <a:off x="7161135" y="2765337"/>
-            <a:ext cx="1878150" cy="369332"/>
-          </a:xfrm>
-          <a:prstGeom prst="rect">
-            <a:avLst/>
-          </a:prstGeom>
-          <a:noFill/>
-        </p:spPr>
-        <p:txBody>
-          <a:bodyPr wrap="square" rtlCol="0">
-            <a:spAutoFit/>
-          </a:bodyPr>
-          <a:lstStyle/>
-          <a:p>
-            <a:r>
-              <a:rPr lang="en-US" b="1" dirty="0" smtClean="0"/>
-              <a:t>Men </a:t>
-            </a:r>
+      <p:sp>
+        <p:nvSpPr>
+          <p:cNvPr id="4" name="Title 3"/>
+          <p:cNvSpPr>
+            <a:spLocks noGrp="1"/>
+          </p:cNvSpPr>
+          <p:nvPr>
+            <p:ph type="ctrTitle"/>
+          </p:nvPr>
+        </p:nvSpPr>
+        <p:spPr/>
+        <p:txBody>
+          <a:bodyPr/>
+          <a:lstStyle/>
+          <a:p>
             <a:r>
               <a:rPr lang="en-US" dirty="0" smtClean="0"/>
-              <a:t>earn more.</a:t>
+              <a:t>Data Exploration using </a:t>
+            </a:r>
+            <a:r>
+              <a:rPr lang="en-US" dirty="0" err="1" smtClean="0"/>
+              <a:t>RapidMiner</a:t>
             </a:r>
             <a:endParaRPr lang="en-US" dirty="0"/>
-          </a:p>
-        </p:txBody>
-      </p:sp>
-      <p:sp>
-        <p:nvSpPr>
-          <p:cNvPr id="6" name="TextBox 5"/>
-          <p:cNvSpPr txBox="1"/>
-          <p:nvPr/>
-        </p:nvSpPr>
-        <p:spPr>
-          <a:xfrm>
-            <a:off x="2175347" y="6430747"/>
-            <a:ext cx="3850832" cy="261610"/>
-          </a:xfrm>
-          <a:prstGeom prst="rect">
-            <a:avLst/>
-          </a:prstGeom>
-          <a:solidFill>
-            <a:schemeClr val="bg1"/>
-          </a:solidFill>
-        </p:spPr>
-        <p:txBody>
-          <a:bodyPr wrap="square" rtlCol="0">
-            <a:spAutoFit/>
-          </a:bodyPr>
-          <a:lstStyle/>
-          <a:p>
-            <a:r>
-              <a:rPr lang="en-US" sz="1100" dirty="0" smtClean="0"/>
-              <a:t>Women							Men</a:t>
-            </a:r>
-            <a:endParaRPr lang="en-US" sz="1100" dirty="0"/>
           </a:p>
         </p:txBody>
       </p:sp>
     </p:spTree>
     <p:extLst>
       <p:ext uri="{BB962C8B-B14F-4D97-AF65-F5344CB8AC3E}">
-        <p14:creationId xmlns:p14="http://schemas.microsoft.com/office/powerpoint/2010/main" val="1756954838"/>
+        <p14:creationId xmlns:p14="http://schemas.microsoft.com/office/powerpoint/2010/main" val="697630342"/>
       </p:ext>
     </p:extLst>
   </p:cSld>
   <p:clrMapOvr>
     <a:masterClrMapping/>
   </p:clrMapOvr>
+  <p:timing>
+    <p:tnLst>
+      <p:par>
+        <p:cTn xmlns:p14="http://schemas.microsoft.com/office/powerpoint/2010/main" id="1" dur="indefinite" restart="never" nodeType="tmRoot"/>
+      </p:par>
+    </p:tnLst>
+  </p:timing>
 </p:sld>
 </file>
 
@@ -3257,8 +3204,8 @@
         </p:blipFill>
         <p:spPr>
           <a:xfrm>
-            <a:off x="411744" y="0"/>
-            <a:ext cx="6800755" cy="6858000"/>
+            <a:off x="276629" y="0"/>
+            <a:ext cx="6789075" cy="6858000"/>
           </a:xfrm>
           <a:prstGeom prst="rect">
             <a:avLst/>
@@ -3273,7 +3220,37 @@
         </p:nvSpPr>
         <p:spPr>
           <a:xfrm>
-            <a:off x="1351140" y="6363197"/>
+            <a:off x="7161135" y="2765337"/>
+            <a:ext cx="1878150" cy="1477328"/>
+          </a:xfrm>
+          <a:prstGeom prst="rect">
+            <a:avLst/>
+          </a:prstGeom>
+          <a:noFill/>
+        </p:spPr>
+        <p:txBody>
+          <a:bodyPr wrap="square" rtlCol="0">
+            <a:spAutoFit/>
+          </a:bodyPr>
+          <a:lstStyle/>
+          <a:p>
+            <a:r>
+              <a:rPr lang="en-US" dirty="0" smtClean="0"/>
+              <a:t>People who aren’t interested in caste have higher average income.</a:t>
+            </a:r>
+            <a:endParaRPr lang="en-US" dirty="0"/>
+          </a:p>
+        </p:txBody>
+      </p:sp>
+      <p:sp>
+        <p:nvSpPr>
+          <p:cNvPr id="6" name="TextBox 5"/>
+          <p:cNvSpPr txBox="1"/>
+          <p:nvPr/>
+        </p:nvSpPr>
+        <p:spPr>
+          <a:xfrm>
+            <a:off x="1715952" y="6403727"/>
             <a:ext cx="5999163" cy="261610"/>
           </a:xfrm>
           <a:prstGeom prst="rect">
@@ -3291,52 +3268,29 @@
           <a:p>
             <a:r>
               <a:rPr lang="en-US" sz="1100" dirty="0" smtClean="0"/>
-              <a:t>	No		        Occasionally	                 Yes	          		Doesn’t matter</a:t>
+              <a:t>	Yes     							No</a:t>
             </a:r>
             <a:endParaRPr lang="en-US" sz="1100" dirty="0"/>
-          </a:p>
-        </p:txBody>
-      </p:sp>
-      <p:sp>
-        <p:nvSpPr>
-          <p:cNvPr id="6" name="TextBox 5"/>
-          <p:cNvSpPr txBox="1"/>
-          <p:nvPr/>
-        </p:nvSpPr>
-        <p:spPr>
-          <a:xfrm>
-            <a:off x="7161135" y="2765337"/>
-            <a:ext cx="1878150" cy="2862323"/>
-          </a:xfrm>
-          <a:prstGeom prst="rect">
-            <a:avLst/>
-          </a:prstGeom>
-          <a:noFill/>
-        </p:spPr>
-        <p:txBody>
-          <a:bodyPr wrap="square" rtlCol="0">
-            <a:spAutoFit/>
-          </a:bodyPr>
-          <a:lstStyle/>
-          <a:p>
-            <a:r>
-              <a:rPr lang="en-US" dirty="0" smtClean="0"/>
-              <a:t>People who drink occasionally have higher average income than people who don’t drink. But drinking too much (“yes” column) is bad for your income.</a:t>
-            </a:r>
-            <a:endParaRPr lang="en-US" dirty="0"/>
           </a:p>
         </p:txBody>
       </p:sp>
     </p:spTree>
     <p:extLst>
       <p:ext uri="{BB962C8B-B14F-4D97-AF65-F5344CB8AC3E}">
-        <p14:creationId xmlns:p14="http://schemas.microsoft.com/office/powerpoint/2010/main" val="2884315137"/>
+        <p14:creationId xmlns:p14="http://schemas.microsoft.com/office/powerpoint/2010/main" val="2704056639"/>
       </p:ext>
     </p:extLst>
   </p:cSld>
   <p:clrMapOvr>
     <a:masterClrMapping/>
   </p:clrMapOvr>
+  <p:timing>
+    <p:tnLst>
+      <p:par>
+        <p:cTn xmlns:p14="http://schemas.microsoft.com/office/powerpoint/2010/main" id="1" dur="indefinite" restart="never" nodeType="tmRoot"/>
+      </p:par>
+    </p:tnLst>
+  </p:timing>
 </p:sld>
 </file>
 
@@ -3373,8 +3327,8 @@
         </p:blipFill>
         <p:spPr>
           <a:xfrm>
-            <a:off x="396614" y="0"/>
-            <a:ext cx="6754786" cy="6858000"/>
+            <a:off x="369590" y="0"/>
+            <a:ext cx="6743509" cy="6858000"/>
           </a:xfrm>
           <a:prstGeom prst="rect">
             <a:avLst/>
@@ -3389,8 +3343,38 @@
         </p:nvSpPr>
         <p:spPr>
           <a:xfrm>
-            <a:off x="1351140" y="6403727"/>
-            <a:ext cx="5999163" cy="261610"/>
+            <a:off x="7161135" y="2765337"/>
+            <a:ext cx="1878150" cy="2031325"/>
+          </a:xfrm>
+          <a:prstGeom prst="rect">
+            <a:avLst/>
+          </a:prstGeom>
+          <a:noFill/>
+        </p:spPr>
+        <p:txBody>
+          <a:bodyPr wrap="square" rtlCol="0">
+            <a:spAutoFit/>
+          </a:bodyPr>
+          <a:lstStyle/>
+          <a:p>
+            <a:r>
+              <a:rPr lang="en-US" dirty="0" smtClean="0"/>
+              <a:t>Men/women who live with their parents earn a lot less. Perhaps this is why they live with their parents.</a:t>
+            </a:r>
+            <a:endParaRPr lang="en-US" dirty="0"/>
+          </a:p>
+        </p:txBody>
+      </p:sp>
+      <p:sp>
+        <p:nvSpPr>
+          <p:cNvPr id="6" name="TextBox 5"/>
+          <p:cNvSpPr txBox="1"/>
+          <p:nvPr/>
+        </p:nvSpPr>
+        <p:spPr>
+          <a:xfrm>
+            <a:off x="1864581" y="6403727"/>
+            <a:ext cx="4067028" cy="261610"/>
           </a:xfrm>
           <a:prstGeom prst="rect">
             <a:avLst/>
@@ -3407,61 +3391,29 @@
           <a:p>
             <a:r>
               <a:rPr lang="en-US" sz="1100" dirty="0" smtClean="0"/>
-              <a:t>	No		        	Yes	               Doesn’t Matter	          		Moderate</a:t>
+              <a:t>	No     							Yes</a:t>
             </a:r>
             <a:endParaRPr lang="en-US" sz="1100" dirty="0"/>
-          </a:p>
-        </p:txBody>
-      </p:sp>
-      <p:sp>
-        <p:nvSpPr>
-          <p:cNvPr id="6" name="TextBox 5"/>
-          <p:cNvSpPr txBox="1"/>
-          <p:nvPr/>
-        </p:nvSpPr>
-        <p:spPr>
-          <a:xfrm>
-            <a:off x="7151400" y="617251"/>
-            <a:ext cx="1878150" cy="5632312"/>
-          </a:xfrm>
-          <a:prstGeom prst="rect">
-            <a:avLst/>
-          </a:prstGeom>
-          <a:noFill/>
-        </p:spPr>
-        <p:txBody>
-          <a:bodyPr wrap="square" rtlCol="0">
-            <a:spAutoFit/>
-          </a:bodyPr>
-          <a:lstStyle/>
-          <a:p>
-            <a:r>
-              <a:rPr lang="en-US" dirty="0" smtClean="0"/>
-              <a:t>People who smoke a moderate amount have higher average income than people who don’t smoke. But smoke too much (“yes” column) is bad for your income.</a:t>
-            </a:r>
-          </a:p>
-          <a:p>
-            <a:endParaRPr lang="en-US" dirty="0"/>
-          </a:p>
-          <a:p>
-            <a:r>
-              <a:rPr lang="en-US" dirty="0" smtClean="0"/>
-              <a:t>Also, the “doesn’t matter” people are suspiciously close to the “yes” people income-wise. Perhaps “doesn’t matter” =  yes. </a:t>
-            </a:r>
-            <a:endParaRPr lang="en-US" dirty="0"/>
           </a:p>
         </p:txBody>
       </p:sp>
     </p:spTree>
     <p:extLst>
       <p:ext uri="{BB962C8B-B14F-4D97-AF65-F5344CB8AC3E}">
-        <p14:creationId xmlns:p14="http://schemas.microsoft.com/office/powerpoint/2010/main" val="1431448144"/>
+        <p14:creationId xmlns:p14="http://schemas.microsoft.com/office/powerpoint/2010/main" val="95756679"/>
       </p:ext>
     </p:extLst>
   </p:cSld>
   <p:clrMapOvr>
     <a:masterClrMapping/>
   </p:clrMapOvr>
+  <p:timing>
+    <p:tnLst>
+      <p:par>
+        <p:cTn xmlns:p14="http://schemas.microsoft.com/office/powerpoint/2010/main" id="1" dur="indefinite" restart="never" nodeType="tmRoot"/>
+      </p:par>
+    </p:tnLst>
+  </p:timing>
 </p:sld>
 </file>
 
@@ -3498,8 +3450,8 @@
         </p:blipFill>
         <p:spPr>
           <a:xfrm>
-            <a:off x="288520" y="0"/>
-            <a:ext cx="6754786" cy="6858000"/>
+            <a:off x="411744" y="0"/>
+            <a:ext cx="6800755" cy="6858000"/>
           </a:xfrm>
           <a:prstGeom prst="rect">
             <a:avLst/>
@@ -3514,7 +3466,7 @@
         </p:nvSpPr>
         <p:spPr>
           <a:xfrm>
-            <a:off x="1405181" y="6403727"/>
+            <a:off x="1351140" y="6363197"/>
             <a:ext cx="5999163" cy="261610"/>
           </a:xfrm>
           <a:prstGeom prst="rect">
@@ -3532,77 +3484,9 @@
           <a:p>
             <a:r>
               <a:rPr lang="en-US" sz="1100" dirty="0" smtClean="0"/>
-              <a:t>Moderate     </a:t>
-            </a:r>
-            <a:r>
-              <a:rPr lang="en-US" sz="1100" b="1" dirty="0" smtClean="0">
-                <a:solidFill>
-                  <a:srgbClr val="FF0000"/>
-                </a:solidFill>
-              </a:rPr>
-              <a:t>Traditional</a:t>
-            </a:r>
-            <a:r>
-              <a:rPr lang="en-US" sz="1100" dirty="0" smtClean="0">
-                <a:solidFill>
-                  <a:srgbClr val="FF0000"/>
-                </a:solidFill>
-              </a:rPr>
-              <a:t>	</a:t>
-            </a:r>
-            <a:r>
-              <a:rPr lang="en-US" sz="1100" dirty="0" smtClean="0"/>
-              <a:t>   </a:t>
-            </a:r>
-            <a:r>
-              <a:rPr lang="en-US" sz="1100" b="1" dirty="0" smtClean="0">
-                <a:solidFill>
-                  <a:srgbClr val="008000"/>
-                </a:solidFill>
-              </a:rPr>
-              <a:t>Modern</a:t>
-            </a:r>
-            <a:r>
-              <a:rPr lang="en-US" sz="1100" dirty="0" smtClean="0"/>
-              <a:t>	</a:t>
-            </a:r>
-            <a:r>
-              <a:rPr lang="en-US" sz="1100" b="1" dirty="0" smtClean="0">
-                <a:solidFill>
-                  <a:srgbClr val="008000"/>
-                </a:solidFill>
-              </a:rPr>
-              <a:t>Liberal</a:t>
-            </a:r>
-            <a:r>
-              <a:rPr lang="en-US" sz="1100" dirty="0" smtClean="0"/>
-              <a:t>	        </a:t>
-            </a:r>
-            <a:r>
-              <a:rPr lang="en-US" sz="1100" b="1" dirty="0" smtClean="0">
-                <a:solidFill>
-                  <a:srgbClr val="FF0000"/>
-                </a:solidFill>
-              </a:rPr>
-              <a:t>Orthodox</a:t>
-            </a:r>
-            <a:r>
-              <a:rPr lang="en-US" sz="1100" dirty="0" smtClean="0"/>
-              <a:t>	       Others	</a:t>
-            </a:r>
-            <a:r>
-              <a:rPr lang="en-US" sz="1100" b="1" dirty="0" smtClean="0">
-                <a:solidFill>
-                  <a:srgbClr val="0000FF"/>
-                </a:solidFill>
-              </a:rPr>
-              <a:t>International</a:t>
-            </a:r>
-            <a:endParaRPr lang="en-US" sz="1100" b="1" dirty="0">
-              <a:solidFill>
-                <a:srgbClr val="0000FF"/>
-              </a:solidFill>
-            </a:endParaRPr>
+              <a:t>	No		        Occasionally	                 Yes	          		Doesn’t matter</a:t>
+            </a:r>
+            <a:endParaRPr lang="en-US" sz="1100" dirty="0"/>
           </a:p>
         </p:txBody>
       </p:sp>
@@ -3615,7 +3499,7 @@
         <p:spPr>
           <a:xfrm>
             <a:off x="7161135" y="2765337"/>
-            <a:ext cx="1878150" cy="3693319"/>
+            <a:ext cx="1878150" cy="2862323"/>
           </a:xfrm>
           <a:prstGeom prst="rect">
             <a:avLst/>
@@ -3630,56 +3514,7 @@
           <a:p>
             <a:r>
               <a:rPr lang="en-US" dirty="0" smtClean="0"/>
-              <a:t>People with “international” values earn US-level salaries. </a:t>
-            </a:r>
-          </a:p>
-          <a:p>
-            <a:endParaRPr lang="en-US" dirty="0"/>
-          </a:p>
-          <a:p>
-            <a:r>
-              <a:rPr lang="en-US" dirty="0" smtClean="0"/>
-              <a:t>Having </a:t>
-            </a:r>
-            <a:r>
-              <a:rPr lang="en-US" b="1" dirty="0" smtClean="0"/>
-              <a:t>Traditional</a:t>
-            </a:r>
-            <a:r>
-              <a:rPr lang="en-US" dirty="0" smtClean="0"/>
-              <a:t> or </a:t>
-            </a:r>
-            <a:r>
-              <a:rPr lang="en-US" b="1" dirty="0" smtClean="0"/>
-              <a:t>Orthodox</a:t>
-            </a:r>
-            <a:r>
-              <a:rPr lang="en-US" dirty="0" smtClean="0"/>
-              <a:t> values corresponds with lower income than </a:t>
-            </a:r>
-            <a:r>
-              <a:rPr lang="en-US" b="1" dirty="0" smtClean="0"/>
-              <a:t>Modern</a:t>
-            </a:r>
-            <a:r>
-              <a:rPr lang="en-US" dirty="0" smtClean="0"/>
-              <a:t> or </a:t>
-            </a:r>
-            <a:r>
-              <a:rPr lang="en-US" b="1" dirty="0" smtClean="0"/>
-              <a:t>Liberal</a:t>
-            </a:r>
-            <a:r>
-              <a:rPr lang="en-US" dirty="0" smtClean="0"/>
-              <a:t> or </a:t>
-            </a:r>
-            <a:r>
-              <a:rPr lang="en-US" b="1" dirty="0" smtClean="0"/>
-              <a:t>Moderate</a:t>
-            </a:r>
-            <a:r>
-              <a:rPr lang="en-US" dirty="0" smtClean="0"/>
-              <a:t>.</a:t>
+              <a:t>People who drink occasionally have higher average income than people who don’t drink. But drinking too much (“yes” column) is bad for your income.</a:t>
             </a:r>
             <a:endParaRPr lang="en-US" dirty="0"/>
           </a:p>
@@ -3688,13 +3523,20 @@
     </p:spTree>
     <p:extLst>
       <p:ext uri="{BB962C8B-B14F-4D97-AF65-F5344CB8AC3E}">
-        <p14:creationId xmlns:p14="http://schemas.microsoft.com/office/powerpoint/2010/main" val="1663940449"/>
+        <p14:creationId xmlns:p14="http://schemas.microsoft.com/office/powerpoint/2010/main" val="2884315137"/>
       </p:ext>
     </p:extLst>
   </p:cSld>
   <p:clrMapOvr>
     <a:masterClrMapping/>
   </p:clrMapOvr>
+  <p:timing>
+    <p:tnLst>
+      <p:par>
+        <p:cTn xmlns:p14="http://schemas.microsoft.com/office/powerpoint/2010/main" id="1" dur="indefinite" restart="never" nodeType="tmRoot"/>
+      </p:par>
+    </p:tnLst>
+  </p:timing>
 </p:sld>
 </file>
 
@@ -3731,8 +3573,8 @@
         </p:blipFill>
         <p:spPr>
           <a:xfrm>
-            <a:off x="209860" y="0"/>
-            <a:ext cx="6812050" cy="6858000"/>
+            <a:off x="396614" y="0"/>
+            <a:ext cx="6754786" cy="6858000"/>
           </a:xfrm>
           <a:prstGeom prst="rect">
             <a:avLst/>
@@ -3747,13 +3589,15 @@
         </p:nvSpPr>
         <p:spPr>
           <a:xfrm>
-            <a:off x="7161135" y="2765337"/>
-            <a:ext cx="1878150" cy="2585323"/>
-          </a:xfrm>
-          <a:prstGeom prst="rect">
-            <a:avLst/>
-          </a:prstGeom>
-          <a:noFill/>
+            <a:off x="1351140" y="6403727"/>
+            <a:ext cx="5999163" cy="261610"/>
+          </a:xfrm>
+          <a:prstGeom prst="rect">
+            <a:avLst/>
+          </a:prstGeom>
+          <a:solidFill>
+            <a:schemeClr val="bg1"/>
+          </a:solidFill>
         </p:spPr>
         <p:txBody>
           <a:bodyPr wrap="square" rtlCol="0">
@@ -3762,23 +3606,10 @@
           <a:lstStyle/>
           <a:p>
             <a:r>
-              <a:rPr lang="en-US" b="1" dirty="0" smtClean="0"/>
-              <a:t>Very fair </a:t>
-            </a:r>
-            <a:r>
-              <a:rPr lang="en-US" dirty="0" smtClean="0"/>
-              <a:t>people earn the most.</a:t>
-            </a:r>
-          </a:p>
-          <a:p>
-            <a:endParaRPr lang="en-US" dirty="0"/>
-          </a:p>
-          <a:p>
-            <a:r>
-              <a:rPr lang="en-US" dirty="0" smtClean="0"/>
-              <a:t>Connection between complexion/skin tone and average income is very clear here.   </a:t>
-            </a:r>
-            <a:endParaRPr lang="en-US" dirty="0"/>
+              <a:rPr lang="en-US" sz="1100" dirty="0" smtClean="0"/>
+              <a:t>	No		        	Yes	               Doesn’t Matter	          		Moderate</a:t>
+            </a:r>
+            <a:endParaRPr lang="en-US" sz="1100" dirty="0"/>
           </a:p>
         </p:txBody>
       </p:sp>
@@ -3790,15 +3621,13 @@
         </p:nvSpPr>
         <p:spPr>
           <a:xfrm>
-            <a:off x="1229532" y="6376707"/>
-            <a:ext cx="5999163" cy="261610"/>
-          </a:xfrm>
-          <a:prstGeom prst="rect">
-            <a:avLst/>
-          </a:prstGeom>
-          <a:solidFill>
-            <a:schemeClr val="bg1"/>
-          </a:solidFill>
+            <a:off x="7151400" y="617251"/>
+            <a:ext cx="1878150" cy="5632312"/>
+          </a:xfrm>
+          <a:prstGeom prst="rect">
+            <a:avLst/>
+          </a:prstGeom>
+          <a:noFill/>
         </p:spPr>
         <p:txBody>
           <a:bodyPr wrap="square" rtlCol="0">
@@ -3807,47 +3636,39 @@
           <a:lstStyle/>
           <a:p>
             <a:r>
-              <a:rPr lang="en-US" sz="1100" dirty="0" err="1" smtClean="0"/>
-              <a:t>Wheatish</a:t>
-            </a:r>
-            <a:r>
-              <a:rPr lang="en-US" sz="1100" dirty="0" smtClean="0"/>
-              <a:t>	Fair		</a:t>
-            </a:r>
-            <a:r>
-              <a:rPr lang="en-US" sz="1100" b="1" dirty="0" smtClean="0">
-                <a:solidFill>
-                  <a:srgbClr val="FF0000"/>
-                </a:solidFill>
-              </a:rPr>
-              <a:t>Very Fair</a:t>
-            </a:r>
-            <a:r>
-              <a:rPr lang="en-US" sz="1100" dirty="0" smtClean="0"/>
-              <a:t>         </a:t>
-            </a:r>
-            <a:r>
-              <a:rPr lang="en-US" sz="1100" dirty="0" err="1" smtClean="0"/>
-              <a:t>Wheatish</a:t>
-            </a:r>
-            <a:r>
-              <a:rPr lang="en-US" sz="1100" dirty="0" smtClean="0"/>
-              <a:t> Medium    Dark                 Doesn’t Matter	</a:t>
-            </a:r>
-            <a:endParaRPr lang="en-US" sz="1100" dirty="0"/>
+              <a:rPr lang="en-US" dirty="0" smtClean="0"/>
+              <a:t>People who smoke a moderate amount have higher average income than people who don’t smoke. But smoke too much (“yes” column) is bad for your income.</a:t>
+            </a:r>
+          </a:p>
+          <a:p>
+            <a:endParaRPr lang="en-US" dirty="0"/>
+          </a:p>
+          <a:p>
+            <a:r>
+              <a:rPr lang="en-US" dirty="0" smtClean="0"/>
+              <a:t>Also, the “doesn’t matter” people are suspiciously close to the “yes” people income-wise. Perhaps “doesn’t matter” =  yes. </a:t>
+            </a:r>
+            <a:endParaRPr lang="en-US" dirty="0"/>
           </a:p>
         </p:txBody>
       </p:sp>
     </p:spTree>
     <p:extLst>
       <p:ext uri="{BB962C8B-B14F-4D97-AF65-F5344CB8AC3E}">
-        <p14:creationId xmlns:p14="http://schemas.microsoft.com/office/powerpoint/2010/main" val="737975458"/>
+        <p14:creationId xmlns:p14="http://schemas.microsoft.com/office/powerpoint/2010/main" val="1431448144"/>
       </p:ext>
     </p:extLst>
   </p:cSld>
   <p:clrMapOvr>
     <a:masterClrMapping/>
   </p:clrMapOvr>
+  <p:timing>
+    <p:tnLst>
+      <p:par>
+        <p:cTn xmlns:p14="http://schemas.microsoft.com/office/powerpoint/2010/main" id="1" dur="indefinite" restart="never" nodeType="tmRoot"/>
+      </p:par>
+    </p:tnLst>
+  </p:timing>
 </p:sld>
 </file>
 
@@ -3884,8 +3705,8 @@
         </p:blipFill>
         <p:spPr>
           <a:xfrm>
-            <a:off x="192288" y="0"/>
-            <a:ext cx="6686835" cy="6858000"/>
+            <a:off x="288520" y="0"/>
+            <a:ext cx="6754786" cy="6858000"/>
           </a:xfrm>
           <a:prstGeom prst="rect">
             <a:avLst/>
@@ -3900,7 +3721,7 @@
         </p:nvSpPr>
         <p:spPr>
           <a:xfrm>
-            <a:off x="1229532" y="6376707"/>
+            <a:off x="1405181" y="6403727"/>
             <a:ext cx="5999163" cy="261610"/>
           </a:xfrm>
           <a:prstGeom prst="rect">
@@ -3918,15 +3739,7 @@
           <a:p>
             <a:r>
               <a:rPr lang="en-US" sz="1100" dirty="0" smtClean="0"/>
-              <a:t>Average	</a:t>
-            </a:r>
-            <a:r>
-              <a:rPr lang="en-US" sz="1100" dirty="0"/>
-              <a:t>	</a:t>
-            </a:r>
-            <a:r>
-              <a:rPr lang="en-US" sz="1100" dirty="0" smtClean="0"/>
-              <a:t>Slim		</a:t>
+              <a:t>Moderate     </a:t>
             </a:r>
             <a:r>
               <a:rPr lang="en-US" sz="1100" b="1" dirty="0" smtClean="0">
@@ -3934,11 +3747,43 @@
                   <a:srgbClr val="FF0000"/>
                 </a:solidFill>
               </a:rPr>
-              <a:t>Heavy</a:t>
+              <a:t>Traditional</a:t>
+            </a:r>
+            <a:r>
+              <a:rPr lang="en-US" sz="1100" dirty="0" smtClean="0">
+                <a:solidFill>
+                  <a:srgbClr val="FF0000"/>
+                </a:solidFill>
+              </a:rPr>
+              <a:t>	</a:t>
             </a:r>
             <a:r>
               <a:rPr lang="en-US" sz="1100" dirty="0" smtClean="0"/>
-              <a:t>         	      </a:t>
+              <a:t>   </a:t>
+            </a:r>
+            <a:r>
+              <a:rPr lang="en-US" sz="1100" b="1" dirty="0" smtClean="0">
+                <a:solidFill>
+                  <a:srgbClr val="008000"/>
+                </a:solidFill>
+              </a:rPr>
+              <a:t>Modern</a:t>
+            </a:r>
+            <a:r>
+              <a:rPr lang="en-US" sz="1100" dirty="0" smtClean="0"/>
+              <a:t>	</a:t>
+            </a:r>
+            <a:r>
+              <a:rPr lang="en-US" sz="1100" b="1" dirty="0" smtClean="0">
+                <a:solidFill>
+                  <a:srgbClr val="008000"/>
+                </a:solidFill>
+              </a:rPr>
+              <a:t>Liberal</a:t>
+            </a:r>
+            <a:r>
+              <a:rPr lang="en-US" sz="1100" dirty="0" smtClean="0"/>
+              <a:t>	        </a:t>
             </a:r>
             <a:r>
               <a:rPr lang="en-US" sz="1100" b="1" dirty="0" smtClean="0">
@@ -3946,34 +3791,38 @@
                   <a:srgbClr val="FF0000"/>
                 </a:solidFill>
               </a:rPr>
-              <a:t>Athletic</a:t>
+              <a:t>Orthodox</a:t>
             </a:r>
             <a:r>
               <a:rPr lang="en-US" sz="1100" dirty="0" smtClean="0"/>
-              <a:t>   	</a:t>
-            </a:r>
-            <a:r>
-              <a:rPr lang="en-US" sz="1100" dirty="0"/>
-              <a:t> </a:t>
-            </a:r>
-            <a:r>
-              <a:rPr lang="en-US" sz="1100" dirty="0" smtClean="0"/>
-              <a:t>     Doesn’t matter</a:t>
-            </a:r>
-            <a:endParaRPr lang="en-US" sz="1100" dirty="0"/>
-          </a:p>
-        </p:txBody>
-      </p:sp>
-      <p:sp>
-        <p:nvSpPr>
-          <p:cNvPr id="7" name="TextBox 6"/>
+              <a:t>	       Others	</a:t>
+            </a:r>
+            <a:r>
+              <a:rPr lang="en-US" sz="1100" b="1" dirty="0" smtClean="0">
+                <a:solidFill>
+                  <a:srgbClr val="0000FF"/>
+                </a:solidFill>
+              </a:rPr>
+              <a:t>International</a:t>
+            </a:r>
+            <a:endParaRPr lang="en-US" sz="1100" b="1" dirty="0">
+              <a:solidFill>
+                <a:srgbClr val="0000FF"/>
+              </a:solidFill>
+            </a:endParaRPr>
+          </a:p>
+        </p:txBody>
+      </p:sp>
+      <p:sp>
+        <p:nvSpPr>
+          <p:cNvPr id="6" name="TextBox 5"/>
           <p:cNvSpPr txBox="1"/>
           <p:nvPr/>
         </p:nvSpPr>
         <p:spPr>
           <a:xfrm>
             <a:off x="7161135" y="2765337"/>
-            <a:ext cx="1878150" cy="2862323"/>
+            <a:ext cx="1878150" cy="3693319"/>
           </a:xfrm>
           <a:prstGeom prst="rect">
             <a:avLst/>
@@ -3987,21 +3836,57 @@
           <a:lstStyle/>
           <a:p>
             <a:r>
+              <a:rPr lang="en-US" dirty="0" smtClean="0"/>
+              <a:t>People with “international” values earn US-level salaries. </a:t>
+            </a:r>
+          </a:p>
+          <a:p>
+            <a:endParaRPr lang="en-US" dirty="0"/>
+          </a:p>
+          <a:p>
+            <a:r>
+              <a:rPr lang="en-US" dirty="0" smtClean="0"/>
+              <a:t>Having </a:t>
+            </a:r>
+            <a:r>
               <a:rPr lang="en-US" b="1" dirty="0" smtClean="0"/>
-              <a:t>Athletic </a:t>
+              <a:t>Traditional</a:t>
             </a:r>
             <a:r>
               <a:rPr lang="en-US" dirty="0" smtClean="0"/>
-              <a:t>people earn the most, heavy people earn the least.</a:t>
-            </a:r>
-          </a:p>
-          <a:p>
-            <a:endParaRPr lang="en-US" dirty="0"/>
-          </a:p>
-          <a:p>
+              <a:t> or </a:t>
+            </a:r>
+            <a:r>
+              <a:rPr lang="en-US" b="1" dirty="0" smtClean="0"/>
+              <a:t>Orthodox</a:t>
+            </a:r>
             <a:r>
               <a:rPr lang="en-US" dirty="0" smtClean="0"/>
-              <a:t>Connection between body type and average income is very clear here.   </a:t>
+              <a:t> values corresponds with lower income than </a:t>
+            </a:r>
+            <a:r>
+              <a:rPr lang="en-US" b="1" dirty="0" smtClean="0"/>
+              <a:t>Modern</a:t>
+            </a:r>
+            <a:r>
+              <a:rPr lang="en-US" dirty="0" smtClean="0"/>
+              <a:t> or </a:t>
+            </a:r>
+            <a:r>
+              <a:rPr lang="en-US" b="1" dirty="0" smtClean="0"/>
+              <a:t>Liberal</a:t>
+            </a:r>
+            <a:r>
+              <a:rPr lang="en-US" dirty="0" smtClean="0"/>
+              <a:t> or </a:t>
+            </a:r>
+            <a:r>
+              <a:rPr lang="en-US" b="1" dirty="0" smtClean="0"/>
+              <a:t>Moderate</a:t>
+            </a:r>
+            <a:r>
+              <a:rPr lang="en-US" dirty="0" smtClean="0"/>
+              <a:t>.</a:t>
             </a:r>
             <a:endParaRPr lang="en-US" dirty="0"/>
           </a:p>
@@ -4010,13 +3895,20 @@
     </p:spTree>
     <p:extLst>
       <p:ext uri="{BB962C8B-B14F-4D97-AF65-F5344CB8AC3E}">
-        <p14:creationId xmlns:p14="http://schemas.microsoft.com/office/powerpoint/2010/main" val="2834051449"/>
+        <p14:creationId xmlns:p14="http://schemas.microsoft.com/office/powerpoint/2010/main" val="1663940449"/>
       </p:ext>
     </p:extLst>
   </p:cSld>
   <p:clrMapOvr>
     <a:masterClrMapping/>
   </p:clrMapOvr>
+  <p:timing>
+    <p:tnLst>
+      <p:par>
+        <p:cTn xmlns:p14="http://schemas.microsoft.com/office/powerpoint/2010/main" id="1" dur="indefinite" restart="never" nodeType="tmRoot"/>
+      </p:par>
+    </p:tnLst>
+  </p:timing>
 </p:sld>
 </file>
 
@@ -4053,8 +3945,8 @@
         </p:blipFill>
         <p:spPr>
           <a:xfrm>
-            <a:off x="397425" y="0"/>
-            <a:ext cx="6766560" cy="6858000"/>
+            <a:off x="209860" y="0"/>
+            <a:ext cx="6812050" cy="6858000"/>
           </a:xfrm>
           <a:prstGeom prst="rect">
             <a:avLst/>
@@ -4069,7 +3961,50 @@
         </p:nvSpPr>
         <p:spPr>
           <a:xfrm>
-            <a:off x="1486260" y="6376707"/>
+            <a:off x="7161135" y="2765337"/>
+            <a:ext cx="1878150" cy="2585323"/>
+          </a:xfrm>
+          <a:prstGeom prst="rect">
+            <a:avLst/>
+          </a:prstGeom>
+          <a:noFill/>
+        </p:spPr>
+        <p:txBody>
+          <a:bodyPr wrap="square" rtlCol="0">
+            <a:spAutoFit/>
+          </a:bodyPr>
+          <a:lstStyle/>
+          <a:p>
+            <a:r>
+              <a:rPr lang="en-US" b="1" dirty="0" smtClean="0"/>
+              <a:t>Very fair </a:t>
+            </a:r>
+            <a:r>
+              <a:rPr lang="en-US" dirty="0" smtClean="0"/>
+              <a:t>people earn the most.</a:t>
+            </a:r>
+          </a:p>
+          <a:p>
+            <a:endParaRPr lang="en-US" dirty="0"/>
+          </a:p>
+          <a:p>
+            <a:r>
+              <a:rPr lang="en-US" dirty="0" smtClean="0"/>
+              <a:t>Connection between complexion/skin tone and average income is very clear here.   </a:t>
+            </a:r>
+            <a:endParaRPr lang="en-US" dirty="0"/>
+          </a:p>
+        </p:txBody>
+      </p:sp>
+      <p:sp>
+        <p:nvSpPr>
+          <p:cNvPr id="6" name="TextBox 5"/>
+          <p:cNvSpPr txBox="1"/>
+          <p:nvPr/>
+        </p:nvSpPr>
+        <p:spPr>
+          <a:xfrm>
+            <a:off x="1229532" y="6376707"/>
             <a:ext cx="5999163" cy="261610"/>
           </a:xfrm>
           <a:prstGeom prst="rect">
@@ -4086,81 +4021,54 @@
           <a:lstStyle/>
           <a:p>
             <a:r>
-              <a:rPr lang="en-US" sz="1100" dirty="0" smtClean="0">
+              <a:rPr lang="en-US" sz="1100" dirty="0" err="1" smtClean="0"/>
+              <a:t>Wheatish</a:t>
+            </a:r>
+            <a:r>
+              <a:rPr lang="en-US" sz="1100" dirty="0" smtClean="0"/>
+              <a:t>	Fair		</a:t>
+            </a:r>
+            <a:r>
+              <a:rPr lang="en-US" sz="1100" b="1" dirty="0" smtClean="0">
                 <a:solidFill>
-                  <a:srgbClr val="000000"/>
+                  <a:srgbClr val="FF0000"/>
                 </a:solidFill>
               </a:rPr>
-              <a:t>Son/daughter</a:t>
-            </a:r>
-            <a:r>
-              <a:rPr lang="en-US" sz="1100" dirty="0">
-                <a:solidFill>
-                  <a:srgbClr val="000000"/>
-                </a:solidFill>
-              </a:rPr>
-              <a:t>	</a:t>
-            </a:r>
-            <a:r>
-              <a:rPr lang="en-US" sz="1100" dirty="0" smtClean="0">
-                <a:solidFill>
-                  <a:srgbClr val="000000"/>
-                </a:solidFill>
-              </a:rPr>
-              <a:t>	 Self	 	Relative		Brother/sister		Friend</a:t>
-            </a:r>
-            <a:endParaRPr lang="en-US" sz="1100" dirty="0">
-              <a:solidFill>
-                <a:srgbClr val="000000"/>
-              </a:solidFill>
-            </a:endParaRPr>
-          </a:p>
-        </p:txBody>
-      </p:sp>
-      <p:sp>
-        <p:nvSpPr>
-          <p:cNvPr id="6" name="TextBox 5"/>
-          <p:cNvSpPr txBox="1"/>
-          <p:nvPr/>
-        </p:nvSpPr>
-        <p:spPr>
-          <a:xfrm>
-            <a:off x="7161135" y="2765337"/>
-            <a:ext cx="1878150" cy="2862323"/>
-          </a:xfrm>
-          <a:prstGeom prst="rect">
-            <a:avLst/>
-          </a:prstGeom>
-          <a:noFill/>
-        </p:spPr>
-        <p:txBody>
-          <a:bodyPr wrap="square" rtlCol="0">
-            <a:spAutoFit/>
-          </a:bodyPr>
-          <a:lstStyle/>
-          <a:p>
-            <a:r>
-              <a:rPr lang="en-US" b="1" dirty="0" smtClean="0"/>
-              <a:t>Parents </a:t>
-            </a:r>
-            <a:r>
-              <a:rPr lang="en-US" dirty="0" smtClean="0"/>
-              <a:t>who create profiles are either exaggerating the income of their children, or parents of higher earning children tend to make more profiles.</a:t>
-            </a:r>
-            <a:endParaRPr lang="en-US" dirty="0"/>
+              <a:t>Very Fair</a:t>
+            </a:r>
+            <a:r>
+              <a:rPr lang="en-US" sz="1100" dirty="0" smtClean="0"/>
+              <a:t>         </a:t>
+            </a:r>
+            <a:r>
+              <a:rPr lang="en-US" sz="1100" dirty="0" err="1" smtClean="0"/>
+              <a:t>Wheatish</a:t>
+            </a:r>
+            <a:r>
+              <a:rPr lang="en-US" sz="1100" dirty="0" smtClean="0"/>
+              <a:t> Medium    Dark                 Doesn’t Matter	</a:t>
+            </a:r>
+            <a:endParaRPr lang="en-US" sz="1100" dirty="0"/>
           </a:p>
         </p:txBody>
       </p:sp>
     </p:spTree>
     <p:extLst>
       <p:ext uri="{BB962C8B-B14F-4D97-AF65-F5344CB8AC3E}">
-        <p14:creationId xmlns:p14="http://schemas.microsoft.com/office/powerpoint/2010/main" val="3487865799"/>
+        <p14:creationId xmlns:p14="http://schemas.microsoft.com/office/powerpoint/2010/main" val="737975458"/>
       </p:ext>
     </p:extLst>
   </p:cSld>
   <p:clrMapOvr>
     <a:masterClrMapping/>
   </p:clrMapOvr>
+  <p:timing>
+    <p:tnLst>
+      <p:par>
+        <p:cTn xmlns:p14="http://schemas.microsoft.com/office/powerpoint/2010/main" id="1" dur="indefinite" restart="never" nodeType="tmRoot"/>
+      </p:par>
+    </p:tnLst>
+  </p:timing>
 </p:sld>
 </file>
 
@@ -4197,8 +4105,8 @@
         </p:blipFill>
         <p:spPr>
           <a:xfrm>
-            <a:off x="182045" y="0"/>
-            <a:ext cx="6789191" cy="6858000"/>
+            <a:off x="192288" y="0"/>
+            <a:ext cx="6686835" cy="6858000"/>
           </a:xfrm>
           <a:prstGeom prst="rect">
             <a:avLst/>
@@ -4213,13 +4121,15 @@
         </p:nvSpPr>
         <p:spPr>
           <a:xfrm>
-            <a:off x="7161135" y="2765337"/>
-            <a:ext cx="1878150" cy="1200329"/>
-          </a:xfrm>
-          <a:prstGeom prst="rect">
-            <a:avLst/>
-          </a:prstGeom>
-          <a:noFill/>
+            <a:off x="1229532" y="6376707"/>
+            <a:ext cx="5999163" cy="261610"/>
+          </a:xfrm>
+          <a:prstGeom prst="rect">
+            <a:avLst/>
+          </a:prstGeom>
+          <a:solidFill>
+            <a:schemeClr val="bg1"/>
+          </a:solidFill>
         </p:spPr>
         <p:txBody>
           <a:bodyPr wrap="square" rtlCol="0">
@@ -4228,34 +4138,68 @@
           <a:lstStyle/>
           <a:p>
             <a:r>
-              <a:rPr lang="en-US" b="1" dirty="0" smtClean="0"/>
-              <a:t>Education </a:t>
-            </a:r>
-            <a:r>
-              <a:rPr lang="en-US" dirty="0" smtClean="0"/>
-              <a:t>and income are correlated very well. </a:t>
-            </a:r>
-            <a:endParaRPr lang="en-US" dirty="0"/>
-          </a:p>
-        </p:txBody>
-      </p:sp>
-      <p:sp>
-        <p:nvSpPr>
-          <p:cNvPr id="6" name="TextBox 5"/>
+              <a:rPr lang="en-US" sz="1100" dirty="0" smtClean="0"/>
+              <a:t>Average	</a:t>
+            </a:r>
+            <a:r>
+              <a:rPr lang="en-US" sz="1100" dirty="0"/>
+              <a:t>	</a:t>
+            </a:r>
+            <a:r>
+              <a:rPr lang="en-US" sz="1100" dirty="0" smtClean="0"/>
+              <a:t>Slim		</a:t>
+            </a:r>
+            <a:r>
+              <a:rPr lang="en-US" sz="1100" b="1" dirty="0" smtClean="0">
+                <a:solidFill>
+                  <a:srgbClr val="FF0000"/>
+                </a:solidFill>
+              </a:rPr>
+              <a:t>Heavy</a:t>
+            </a:r>
+            <a:r>
+              <a:rPr lang="en-US" sz="1100" dirty="0" smtClean="0"/>
+              <a:t>         	      </a:t>
+            </a:r>
+            <a:r>
+              <a:rPr lang="en-US" sz="1100" b="1" dirty="0" smtClean="0">
+                <a:solidFill>
+                  <a:srgbClr val="FF0000"/>
+                </a:solidFill>
+              </a:rPr>
+              <a:t>Athletic</a:t>
+            </a:r>
+            <a:r>
+              <a:rPr lang="en-US" sz="1100" dirty="0" smtClean="0"/>
+              <a:t>   	</a:t>
+            </a:r>
+            <a:r>
+              <a:rPr lang="en-US" sz="1100" dirty="0"/>
+              <a:t> </a:t>
+            </a:r>
+            <a:r>
+              <a:rPr lang="en-US" sz="1100" dirty="0" smtClean="0"/>
+              <a:t>     Doesn’t matter</a:t>
+            </a:r>
+            <a:endParaRPr lang="en-US" sz="1100" dirty="0"/>
+          </a:p>
+        </p:txBody>
+      </p:sp>
+      <p:sp>
+        <p:nvSpPr>
+          <p:cNvPr id="7" name="TextBox 6"/>
           <p:cNvSpPr txBox="1"/>
           <p:nvPr/>
         </p:nvSpPr>
         <p:spPr>
           <a:xfrm>
-            <a:off x="1364684" y="6376707"/>
-            <a:ext cx="6228842" cy="261610"/>
-          </a:xfrm>
-          <a:prstGeom prst="rect">
-            <a:avLst/>
-          </a:prstGeom>
-          <a:solidFill>
-            <a:schemeClr val="bg1"/>
-          </a:solidFill>
+            <a:off x="7161135" y="2765337"/>
+            <a:ext cx="1878150" cy="2862323"/>
+          </a:xfrm>
+          <a:prstGeom prst="rect">
+            <a:avLst/>
+          </a:prstGeom>
+          <a:noFill/>
         </p:spPr>
         <p:txBody>
           <a:bodyPr wrap="square" rtlCol="0">
@@ -4264,58 +4208,43 @@
           <a:lstStyle/>
           <a:p>
             <a:r>
-              <a:rPr lang="en-US" sz="1100" dirty="0" smtClean="0">
-                <a:solidFill>
-                  <a:srgbClr val="000000"/>
-                </a:solidFill>
-              </a:rPr>
-              <a:t>Master’s	</a:t>
-            </a:r>
-            <a:r>
-              <a:rPr lang="en-US" sz="1100" dirty="0">
-                <a:solidFill>
-                  <a:srgbClr val="000000"/>
-                </a:solidFill>
-              </a:rPr>
-              <a:t> </a:t>
-            </a:r>
-            <a:r>
-              <a:rPr lang="en-US" sz="1100" dirty="0" smtClean="0">
-                <a:solidFill>
-                  <a:srgbClr val="000000"/>
-                </a:solidFill>
-              </a:rPr>
-              <a:t>High school		Bachelor’s	 Some college</a:t>
-            </a:r>
-            <a:r>
-              <a:rPr lang="en-US" sz="1100" dirty="0">
-                <a:solidFill>
-                  <a:srgbClr val="000000"/>
-                </a:solidFill>
-              </a:rPr>
-              <a:t> </a:t>
-            </a:r>
-            <a:r>
-              <a:rPr lang="en-US" sz="1100" dirty="0" smtClean="0">
-                <a:solidFill>
-                  <a:srgbClr val="000000"/>
-                </a:solidFill>
-              </a:rPr>
-              <a:t>      Doctorate/PhD</a:t>
-            </a:r>
+              <a:rPr lang="en-US" b="1" dirty="0" smtClean="0"/>
+              <a:t>Athletic </a:t>
+            </a:r>
+            <a:r>
+              <a:rPr lang="en-US" dirty="0" smtClean="0"/>
+              <a:t>people earn the most, heavy people earn the least.</a:t>
+            </a:r>
+          </a:p>
+          <a:p>
+            <a:endParaRPr lang="en-US" dirty="0"/>
+          </a:p>
+          <a:p>
+            <a:r>
+              <a:rPr lang="en-US" dirty="0" smtClean="0"/>
+              <a:t>Connection between body type and average income is very clear here.   </a:t>
+            </a:r>
+            <a:endParaRPr lang="en-US" dirty="0"/>
           </a:p>
         </p:txBody>
       </p:sp>
     </p:spTree>
     <p:extLst>
       <p:ext uri="{BB962C8B-B14F-4D97-AF65-F5344CB8AC3E}">
-        <p14:creationId xmlns:p14="http://schemas.microsoft.com/office/powerpoint/2010/main" val="1062880013"/>
+        <p14:creationId xmlns:p14="http://schemas.microsoft.com/office/powerpoint/2010/main" val="2834051449"/>
       </p:ext>
     </p:extLst>
   </p:cSld>
   <p:clrMapOvr>
     <a:masterClrMapping/>
   </p:clrMapOvr>
+  <p:timing>
+    <p:tnLst>
+      <p:par>
+        <p:cTn xmlns:p14="http://schemas.microsoft.com/office/powerpoint/2010/main" id="1" dur="indefinite" restart="never" nodeType="tmRoot"/>
+      </p:par>
+    </p:tnLst>
+  </p:timing>
 </p:sld>
 </file>
 
@@ -4352,8 +4281,8 @@
         </p:blipFill>
         <p:spPr>
           <a:xfrm>
-            <a:off x="220961" y="0"/>
-            <a:ext cx="6754613" cy="6858000"/>
+            <a:off x="397425" y="0"/>
+            <a:ext cx="6766560" cy="6858000"/>
           </a:xfrm>
           <a:prstGeom prst="rect">
             <a:avLst/>
@@ -4368,8 +4297,8 @@
         </p:nvSpPr>
         <p:spPr>
           <a:xfrm>
-            <a:off x="1067420" y="6376707"/>
-            <a:ext cx="6228842" cy="261610"/>
+            <a:off x="1486260" y="6376707"/>
+            <a:ext cx="5999163" cy="261610"/>
           </a:xfrm>
           <a:prstGeom prst="rect">
             <a:avLst/>
@@ -4390,7 +4319,7 @@
                   <a:srgbClr val="000000"/>
                 </a:solidFill>
               </a:rPr>
-              <a:t>Multi-national	</a:t>
+              <a:t>Son/daughter</a:t>
             </a:r>
             <a:r>
               <a:rPr lang="en-US" sz="1100" dirty="0">
@@ -4398,7 +4327,7 @@
                   <a:srgbClr val="000000"/>
                 </a:solidFill>
               </a:rPr>
-              <a:t> </a:t>
+              <a:t>	</a:t>
             </a:r>
             <a:r>
               <a:rPr lang="en-US" sz="1100" dirty="0" smtClean="0">
@@ -4406,41 +4335,9 @@
                   <a:srgbClr val="000000"/>
                 </a:solidFill>
               </a:rPr>
-              <a:t>  Private sec	Not working	Others	    Public sec	State </a:t>
-            </a:r>
-            <a:r>
-              <a:rPr lang="en-US" sz="1100" dirty="0" err="1" smtClean="0">
-                <a:solidFill>
-                  <a:srgbClr val="000000"/>
-                </a:solidFill>
-              </a:rPr>
-              <a:t>govt</a:t>
-            </a:r>
-            <a:r>
-              <a:rPr lang="en-US" sz="1100" dirty="0">
-                <a:solidFill>
-                  <a:srgbClr val="000000"/>
-                </a:solidFill>
-              </a:rPr>
-              <a:t> </a:t>
-            </a:r>
-            <a:r>
-              <a:rPr lang="en-US" sz="1100" dirty="0" smtClean="0">
-                <a:solidFill>
-                  <a:srgbClr val="000000"/>
-                </a:solidFill>
-              </a:rPr>
-              <a:t>     Central </a:t>
-            </a:r>
-            <a:r>
-              <a:rPr lang="en-US" sz="1100" dirty="0" err="1" smtClean="0">
-                <a:solidFill>
-                  <a:srgbClr val="000000"/>
-                </a:solidFill>
-              </a:rPr>
-              <a:t>govt</a:t>
-            </a:r>
-            <a:endParaRPr lang="en-US" sz="1100" dirty="0" smtClean="0">
+              <a:t>	 Self	 	Relative		Brother/sister		Friend</a:t>
+            </a:r>
+            <a:endParaRPr lang="en-US" sz="1100" dirty="0">
               <a:solidFill>
                 <a:srgbClr val="000000"/>
               </a:solidFill>
@@ -4456,8 +4353,8 @@
         </p:nvSpPr>
         <p:spPr>
           <a:xfrm>
-            <a:off x="7161135" y="387581"/>
-            <a:ext cx="1878150" cy="6186310"/>
+            <a:off x="7161135" y="2765337"/>
+            <a:ext cx="1878150" cy="2862323"/>
           </a:xfrm>
           <a:prstGeom prst="rect">
             <a:avLst/>
@@ -4472,70 +4369,11 @@
           <a:p>
             <a:r>
               <a:rPr lang="en-US" b="1" dirty="0" smtClean="0"/>
-              <a:t>State </a:t>
-            </a:r>
-            <a:r>
-              <a:rPr lang="en-US" b="1" dirty="0" err="1" smtClean="0"/>
-              <a:t>govt</a:t>
-            </a:r>
-            <a:r>
-              <a:rPr lang="en-US" b="1" dirty="0" smtClean="0"/>
-              <a:t> </a:t>
+              <a:t>Parents </a:t>
             </a:r>
             <a:r>
               <a:rPr lang="en-US" dirty="0" smtClean="0"/>
-              <a:t>workers earn more than </a:t>
-            </a:r>
-            <a:r>
-              <a:rPr lang="en-US" b="1" dirty="0" smtClean="0"/>
-              <a:t>central govt</a:t>
-            </a:r>
-            <a:r>
-              <a:rPr lang="en-US" dirty="0" smtClean="0"/>
-              <a:t>. </a:t>
-            </a:r>
-          </a:p>
-          <a:p>
-            <a:endParaRPr lang="en-US" dirty="0"/>
-          </a:p>
-          <a:p>
-            <a:r>
-              <a:rPr lang="en-US" dirty="0" smtClean="0"/>
-              <a:t>Multinational corporation (MNC) workers earn the most</a:t>
-            </a:r>
-          </a:p>
-          <a:p>
-            <a:endParaRPr lang="en-US" dirty="0"/>
-          </a:p>
-          <a:p>
-            <a:r>
-              <a:rPr lang="en-US" dirty="0" smtClean="0"/>
-              <a:t>Private sector slightly higher than public sector.</a:t>
-            </a:r>
-          </a:p>
-          <a:p>
-            <a:endParaRPr lang="en-US" dirty="0"/>
-          </a:p>
-          <a:p>
-            <a:r>
-              <a:rPr lang="en-US" dirty="0" smtClean="0"/>
-              <a:t>Surprisingly, </a:t>
-            </a:r>
-            <a:r>
-              <a:rPr lang="en-US" b="1" dirty="0" smtClean="0"/>
-              <a:t>not working</a:t>
-            </a:r>
-            <a:r>
-              <a:rPr lang="en-US" dirty="0" smtClean="0"/>
-              <a:t> and </a:t>
-            </a:r>
-            <a:r>
-              <a:rPr lang="en-US" b="1" dirty="0" smtClean="0"/>
-              <a:t>others </a:t>
-            </a:r>
-            <a:r>
-              <a:rPr lang="en-US" dirty="0" smtClean="0"/>
-              <a:t>do quite well. Perhaps this is rental income or some such thing.</a:t>
+              <a:t>who create profiles are either exaggerating the income of their children, or parents of higher earning children tend to make more profiles.</a:t>
             </a:r>
             <a:endParaRPr lang="en-US" dirty="0"/>
           </a:p>
@@ -4544,13 +4382,20 @@
     </p:spTree>
     <p:extLst>
       <p:ext uri="{BB962C8B-B14F-4D97-AF65-F5344CB8AC3E}">
-        <p14:creationId xmlns:p14="http://schemas.microsoft.com/office/powerpoint/2010/main" val="858726153"/>
+        <p14:creationId xmlns:p14="http://schemas.microsoft.com/office/powerpoint/2010/main" val="3487865799"/>
       </p:ext>
     </p:extLst>
   </p:cSld>
   <p:clrMapOvr>
     <a:masterClrMapping/>
   </p:clrMapOvr>
+  <p:timing>
+    <p:tnLst>
+      <p:par>
+        <p:cTn xmlns:p14="http://schemas.microsoft.com/office/powerpoint/2010/main" id="1" dur="indefinite" restart="never" nodeType="tmRoot"/>
+      </p:par>
+    </p:tnLst>
+  </p:timing>
 </p:sld>
 </file>
 
@@ -4587,18 +4432,119 @@
         </p:blipFill>
         <p:spPr>
           <a:xfrm>
-            <a:off x="1193800" y="0"/>
-            <a:ext cx="6754440" cy="6858000"/>
+            <a:off x="182045" y="0"/>
+            <a:ext cx="6789191" cy="6858000"/>
           </a:xfrm>
           <a:prstGeom prst="rect">
             <a:avLst/>
           </a:prstGeom>
         </p:spPr>
       </p:pic>
+      <p:sp>
+        <p:nvSpPr>
+          <p:cNvPr id="5" name="TextBox 4"/>
+          <p:cNvSpPr txBox="1"/>
+          <p:nvPr/>
+        </p:nvSpPr>
+        <p:spPr>
+          <a:xfrm>
+            <a:off x="7161135" y="2765337"/>
+            <a:ext cx="1878150" cy="1200329"/>
+          </a:xfrm>
+          <a:prstGeom prst="rect">
+            <a:avLst/>
+          </a:prstGeom>
+          <a:noFill/>
+        </p:spPr>
+        <p:txBody>
+          <a:bodyPr wrap="square" rtlCol="0">
+            <a:spAutoFit/>
+          </a:bodyPr>
+          <a:lstStyle/>
+          <a:p>
+            <a:r>
+              <a:rPr lang="en-US" b="1" dirty="0" smtClean="0"/>
+              <a:t>Education </a:t>
+            </a:r>
+            <a:r>
+              <a:rPr lang="en-US" dirty="0" smtClean="0"/>
+              <a:t>and income are correlated very well. </a:t>
+            </a:r>
+            <a:endParaRPr lang="en-US" dirty="0"/>
+          </a:p>
+        </p:txBody>
+      </p:sp>
+      <p:sp>
+        <p:nvSpPr>
+          <p:cNvPr id="6" name="TextBox 5"/>
+          <p:cNvSpPr txBox="1"/>
+          <p:nvPr/>
+        </p:nvSpPr>
+        <p:spPr>
+          <a:xfrm>
+            <a:off x="1364684" y="6376707"/>
+            <a:ext cx="6228842" cy="261610"/>
+          </a:xfrm>
+          <a:prstGeom prst="rect">
+            <a:avLst/>
+          </a:prstGeom>
+          <a:solidFill>
+            <a:schemeClr val="bg1"/>
+          </a:solidFill>
+        </p:spPr>
+        <p:txBody>
+          <a:bodyPr wrap="square" rtlCol="0">
+            <a:spAutoFit/>
+          </a:bodyPr>
+          <a:lstStyle/>
+          <a:p>
+            <a:r>
+              <a:rPr lang="en-US" sz="1100" dirty="0" smtClean="0">
+                <a:solidFill>
+                  <a:srgbClr val="000000"/>
+                </a:solidFill>
+              </a:rPr>
+              <a:t>Master’s	</a:t>
+            </a:r>
+            <a:r>
+              <a:rPr lang="en-US" sz="1100" dirty="0">
+                <a:solidFill>
+                  <a:srgbClr val="000000"/>
+                </a:solidFill>
+              </a:rPr>
+              <a:t> </a:t>
+            </a:r>
+            <a:r>
+              <a:rPr lang="en-US" sz="1100" dirty="0" smtClean="0">
+                <a:solidFill>
+                  <a:srgbClr val="000000"/>
+                </a:solidFill>
+              </a:rPr>
+              <a:t>High school		Bachelor’s	 Some college</a:t>
+            </a:r>
+            <a:r>
+              <a:rPr lang="en-US" sz="1100" dirty="0">
+                <a:solidFill>
+                  <a:srgbClr val="000000"/>
+                </a:solidFill>
+              </a:rPr>
+              <a:t> </a:t>
+            </a:r>
+            <a:r>
+              <a:rPr lang="en-US" sz="1100" dirty="0" smtClean="0">
+                <a:solidFill>
+                  <a:srgbClr val="000000"/>
+                </a:solidFill>
+              </a:rPr>
+              <a:t>      Doctorate/PhD</a:t>
+            </a:r>
+          </a:p>
+        </p:txBody>
+      </p:sp>
     </p:spTree>
     <p:extLst>
       <p:ext uri="{BB962C8B-B14F-4D97-AF65-F5344CB8AC3E}">
-        <p14:creationId xmlns:p14="http://schemas.microsoft.com/office/powerpoint/2010/main" val="3280400973"/>
+        <p14:creationId xmlns:p14="http://schemas.microsoft.com/office/powerpoint/2010/main" val="1062880013"/>
       </p:ext>
     </p:extLst>
   </p:cSld>
@@ -4648,18 +4594,199 @@
         </p:blipFill>
         <p:spPr>
           <a:xfrm>
-            <a:off x="1206500" y="0"/>
-            <a:ext cx="6708913" cy="6858000"/>
+            <a:off x="220961" y="0"/>
+            <a:ext cx="6754613" cy="6858000"/>
           </a:xfrm>
           <a:prstGeom prst="rect">
             <a:avLst/>
           </a:prstGeom>
         </p:spPr>
       </p:pic>
+      <p:sp>
+        <p:nvSpPr>
+          <p:cNvPr id="5" name="TextBox 4"/>
+          <p:cNvSpPr txBox="1"/>
+          <p:nvPr/>
+        </p:nvSpPr>
+        <p:spPr>
+          <a:xfrm>
+            <a:off x="1067420" y="6376707"/>
+            <a:ext cx="6228842" cy="261610"/>
+          </a:xfrm>
+          <a:prstGeom prst="rect">
+            <a:avLst/>
+          </a:prstGeom>
+          <a:solidFill>
+            <a:schemeClr val="bg1"/>
+          </a:solidFill>
+        </p:spPr>
+        <p:txBody>
+          <a:bodyPr wrap="square" rtlCol="0">
+            <a:spAutoFit/>
+          </a:bodyPr>
+          <a:lstStyle/>
+          <a:p>
+            <a:r>
+              <a:rPr lang="en-US" sz="1100" dirty="0" smtClean="0">
+                <a:solidFill>
+                  <a:srgbClr val="000000"/>
+                </a:solidFill>
+              </a:rPr>
+              <a:t>Multi-national	</a:t>
+            </a:r>
+            <a:r>
+              <a:rPr lang="en-US" sz="1100" dirty="0">
+                <a:solidFill>
+                  <a:srgbClr val="000000"/>
+                </a:solidFill>
+              </a:rPr>
+              <a:t> </a:t>
+            </a:r>
+            <a:r>
+              <a:rPr lang="en-US" sz="1100" dirty="0" smtClean="0">
+                <a:solidFill>
+                  <a:srgbClr val="000000"/>
+                </a:solidFill>
+              </a:rPr>
+              <a:t>  Private sec	Not working	Others	    Public sec	State </a:t>
+            </a:r>
+            <a:r>
+              <a:rPr lang="en-US" sz="1100" dirty="0" err="1" smtClean="0">
+                <a:solidFill>
+                  <a:srgbClr val="000000"/>
+                </a:solidFill>
+              </a:rPr>
+              <a:t>govt</a:t>
+            </a:r>
+            <a:r>
+              <a:rPr lang="en-US" sz="1100" dirty="0">
+                <a:solidFill>
+                  <a:srgbClr val="000000"/>
+                </a:solidFill>
+              </a:rPr>
+              <a:t> </a:t>
+            </a:r>
+            <a:r>
+              <a:rPr lang="en-US" sz="1100" dirty="0" smtClean="0">
+                <a:solidFill>
+                  <a:srgbClr val="000000"/>
+                </a:solidFill>
+              </a:rPr>
+              <a:t>     Central </a:t>
+            </a:r>
+            <a:r>
+              <a:rPr lang="en-US" sz="1100" dirty="0" err="1" smtClean="0">
+                <a:solidFill>
+                  <a:srgbClr val="000000"/>
+                </a:solidFill>
+              </a:rPr>
+              <a:t>govt</a:t>
+            </a:r>
+            <a:endParaRPr lang="en-US" sz="1100" dirty="0" smtClean="0">
+              <a:solidFill>
+                <a:srgbClr val="000000"/>
+              </a:solidFill>
+            </a:endParaRPr>
+          </a:p>
+        </p:txBody>
+      </p:sp>
+      <p:sp>
+        <p:nvSpPr>
+          <p:cNvPr id="6" name="TextBox 5"/>
+          <p:cNvSpPr txBox="1"/>
+          <p:nvPr/>
+        </p:nvSpPr>
+        <p:spPr>
+          <a:xfrm>
+            <a:off x="7161135" y="387581"/>
+            <a:ext cx="1878150" cy="6186310"/>
+          </a:xfrm>
+          <a:prstGeom prst="rect">
+            <a:avLst/>
+          </a:prstGeom>
+          <a:noFill/>
+        </p:spPr>
+        <p:txBody>
+          <a:bodyPr wrap="square" rtlCol="0">
+            <a:spAutoFit/>
+          </a:bodyPr>
+          <a:lstStyle/>
+          <a:p>
+            <a:r>
+              <a:rPr lang="en-US" b="1" dirty="0" smtClean="0"/>
+              <a:t>State </a:t>
+            </a:r>
+            <a:r>
+              <a:rPr lang="en-US" b="1" dirty="0" err="1" smtClean="0"/>
+              <a:t>govt</a:t>
+            </a:r>
+            <a:r>
+              <a:rPr lang="en-US" b="1" dirty="0" smtClean="0"/>
+              <a:t> </a:t>
+            </a:r>
+            <a:r>
+              <a:rPr lang="en-US" dirty="0" smtClean="0"/>
+              <a:t>workers earn more than </a:t>
+            </a:r>
+            <a:r>
+              <a:rPr lang="en-US" b="1" dirty="0" smtClean="0"/>
+              <a:t>central govt</a:t>
+            </a:r>
+            <a:r>
+              <a:rPr lang="en-US" dirty="0" smtClean="0"/>
+              <a:t>. </a:t>
+            </a:r>
+          </a:p>
+          <a:p>
+            <a:endParaRPr lang="en-US" dirty="0"/>
+          </a:p>
+          <a:p>
+            <a:r>
+              <a:rPr lang="en-US" dirty="0" smtClean="0"/>
+              <a:t>Multinational corporation (MNC) workers earn the most</a:t>
+            </a:r>
+          </a:p>
+          <a:p>
+            <a:endParaRPr lang="en-US" dirty="0"/>
+          </a:p>
+          <a:p>
+            <a:r>
+              <a:rPr lang="en-US" dirty="0" smtClean="0"/>
+              <a:t>Private sector slightly higher than public sector.</a:t>
+            </a:r>
+          </a:p>
+          <a:p>
+            <a:endParaRPr lang="en-US" dirty="0"/>
+          </a:p>
+          <a:p>
+            <a:r>
+              <a:rPr lang="en-US" dirty="0" smtClean="0"/>
+              <a:t>Surprisingly, </a:t>
+            </a:r>
+            <a:r>
+              <a:rPr lang="en-US" b="1" dirty="0" smtClean="0"/>
+              <a:t>not working</a:t>
+            </a:r>
+            <a:r>
+              <a:rPr lang="en-US" dirty="0" smtClean="0"/>
+              <a:t> and </a:t>
+            </a:r>
+            <a:r>
+              <a:rPr lang="en-US" b="1" dirty="0" smtClean="0"/>
+              <a:t>others </a:t>
+            </a:r>
+            <a:r>
+              <a:rPr lang="en-US" dirty="0" smtClean="0"/>
+              <a:t>do quite well. Perhaps this is rental income or some such thing.</a:t>
+            </a:r>
+            <a:endParaRPr lang="en-US" dirty="0"/>
+          </a:p>
+        </p:txBody>
+      </p:sp>
     </p:spTree>
     <p:extLst>
       <p:ext uri="{BB962C8B-B14F-4D97-AF65-F5344CB8AC3E}">
-        <p14:creationId xmlns:p14="http://schemas.microsoft.com/office/powerpoint/2010/main" val="4224642051"/>
+        <p14:creationId xmlns:p14="http://schemas.microsoft.com/office/powerpoint/2010/main" val="858726153"/>
       </p:ext>
     </p:extLst>
   </p:cSld>
@@ -4693,87 +4820,47 @@
           <a:chExt cx="0" cy="0"/>
         </a:xfrm>
       </p:grpSpPr>
-      <p:pic>
-        <p:nvPicPr>
-          <p:cNvPr id="4" name="Picture 3"/>
-          <p:cNvPicPr>
-            <a:picLocks noChangeAspect="1"/>
-          </p:cNvPicPr>
-          <p:nvPr/>
-        </p:nvPicPr>
-        <p:blipFill>
-          <a:blip r:embed="rId2"/>
-          <a:stretch>
-            <a:fillRect/>
-          </a:stretch>
-        </p:blipFill>
-        <p:spPr>
-          <a:xfrm>
-            <a:off x="275796" y="0"/>
-            <a:ext cx="6766254" cy="6858000"/>
-          </a:xfrm>
-          <a:prstGeom prst="rect">
-            <a:avLst/>
-          </a:prstGeom>
-        </p:spPr>
-      </p:pic>
-      <p:sp>
-        <p:nvSpPr>
-          <p:cNvPr id="6" name="TextBox 5"/>
-          <p:cNvSpPr txBox="1"/>
-          <p:nvPr/>
-        </p:nvSpPr>
-        <p:spPr>
-          <a:xfrm>
-            <a:off x="1432212" y="6403727"/>
-            <a:ext cx="5999163" cy="261610"/>
-          </a:xfrm>
-          <a:prstGeom prst="rect">
-            <a:avLst/>
-          </a:prstGeom>
-          <a:solidFill>
-            <a:schemeClr val="bg1"/>
-          </a:solidFill>
-        </p:spPr>
-        <p:txBody>
-          <a:bodyPr wrap="square" rtlCol="0">
-            <a:spAutoFit/>
-          </a:bodyPr>
-          <a:lstStyle/>
-          <a:p>
-            <a:r>
-              <a:rPr lang="en-US" sz="1100" dirty="0" smtClean="0"/>
-              <a:t>Upper middle	       Middle	             High class	 Rich/affluent	       Doesn’t matter</a:t>
-            </a:r>
-            <a:endParaRPr lang="en-US" sz="1100" dirty="0"/>
-          </a:p>
-        </p:txBody>
-      </p:sp>
-      <p:sp>
-        <p:nvSpPr>
-          <p:cNvPr id="7" name="TextBox 6"/>
-          <p:cNvSpPr txBox="1"/>
-          <p:nvPr/>
-        </p:nvSpPr>
-        <p:spPr>
-          <a:xfrm>
-            <a:off x="7161135" y="2765337"/>
-            <a:ext cx="1878150" cy="1477328"/>
-          </a:xfrm>
-          <a:prstGeom prst="rect">
-            <a:avLst/>
-          </a:prstGeom>
-          <a:noFill/>
-        </p:spPr>
-        <p:txBody>
-          <a:bodyPr wrap="square" rtlCol="0">
-            <a:spAutoFit/>
-          </a:bodyPr>
+      <p:sp>
+        <p:nvSpPr>
+          <p:cNvPr id="4" name="Title 3"/>
+          <p:cNvSpPr>
+            <a:spLocks noGrp="1"/>
+          </p:cNvSpPr>
+          <p:nvPr>
+            <p:ph type="title"/>
+          </p:nvPr>
+        </p:nvSpPr>
+        <p:spPr/>
+        <p:txBody>
+          <a:bodyPr/>
           <a:lstStyle/>
           <a:p>
             <a:r>
               <a:rPr lang="en-US" dirty="0" smtClean="0"/>
-              <a:t>Economic class / status and average income are very well correlated.</a:t>
+              <a:t>MEASURING Average Income</a:t>
+            </a:r>
+            <a:endParaRPr lang="en-US" dirty="0"/>
+          </a:p>
+        </p:txBody>
+      </p:sp>
+      <p:sp>
+        <p:nvSpPr>
+          <p:cNvPr id="5" name="Text Placeholder 4"/>
+          <p:cNvSpPr>
+            <a:spLocks noGrp="1"/>
+          </p:cNvSpPr>
+          <p:nvPr>
+            <p:ph type="body" idx="1"/>
+          </p:nvPr>
+        </p:nvSpPr>
+        <p:spPr/>
+        <p:txBody>
+          <a:bodyPr/>
+          <a:lstStyle/>
+          <a:p>
+            <a:r>
+              <a:rPr lang="en-US" dirty="0" smtClean="0"/>
+              <a:t>Part 1</a:t>
             </a:r>
             <a:endParaRPr lang="en-US" dirty="0"/>
           </a:p>
@@ -4782,7 +4869,7 @@
     </p:spTree>
     <p:extLst>
       <p:ext uri="{BB962C8B-B14F-4D97-AF65-F5344CB8AC3E}">
-        <p14:creationId xmlns:p14="http://schemas.microsoft.com/office/powerpoint/2010/main" val="4201316175"/>
+        <p14:creationId xmlns:p14="http://schemas.microsoft.com/office/powerpoint/2010/main" val="3681978537"/>
       </p:ext>
     </p:extLst>
   </p:cSld>
@@ -4816,104 +4903,56 @@
           <a:chExt cx="0" cy="0"/>
         </a:xfrm>
       </p:grpSpPr>
-      <p:pic>
-        <p:nvPicPr>
-          <p:cNvPr id="4" name="Picture 3"/>
-          <p:cNvPicPr>
-            <a:picLocks noChangeAspect="1"/>
-          </p:cNvPicPr>
-          <p:nvPr/>
-        </p:nvPicPr>
-        <p:blipFill>
-          <a:blip r:embed="rId2"/>
-          <a:stretch>
-            <a:fillRect/>
-          </a:stretch>
-        </p:blipFill>
-        <p:spPr>
-          <a:xfrm>
-            <a:off x="800100" y="444500"/>
-            <a:ext cx="7543800" cy="5969000"/>
-          </a:xfrm>
-          <a:prstGeom prst="rect">
-            <a:avLst/>
-          </a:prstGeom>
-        </p:spPr>
-      </p:pic>
-      <p:sp>
-        <p:nvSpPr>
-          <p:cNvPr id="5" name="TextBox 4"/>
-          <p:cNvSpPr txBox="1"/>
-          <p:nvPr/>
-        </p:nvSpPr>
-        <p:spPr>
-          <a:xfrm>
-            <a:off x="1878128" y="426070"/>
-            <a:ext cx="283735" cy="261610"/>
-          </a:xfrm>
-          <a:prstGeom prst="rect">
-            <a:avLst/>
-          </a:prstGeom>
-          <a:solidFill>
-            <a:schemeClr val="bg1"/>
-          </a:solidFill>
-        </p:spPr>
-        <p:txBody>
-          <a:bodyPr wrap="square" rtlCol="0">
-            <a:spAutoFit/>
-          </a:bodyPr>
-          <a:lstStyle/>
-          <a:p>
-            <a:r>
-              <a:rPr lang="en-US" sz="1100" dirty="0" smtClean="0">
-                <a:solidFill>
-                  <a:srgbClr val="000000"/>
-                </a:solidFill>
-              </a:rPr>
-              <a:t>Y</a:t>
-            </a:r>
-          </a:p>
-        </p:txBody>
-      </p:sp>
-      <p:sp>
-        <p:nvSpPr>
-          <p:cNvPr id="8" name="TextBox 7"/>
-          <p:cNvSpPr txBox="1"/>
-          <p:nvPr/>
-        </p:nvSpPr>
-        <p:spPr>
-          <a:xfrm>
-            <a:off x="2378054" y="385540"/>
-            <a:ext cx="310762" cy="430887"/>
-          </a:xfrm>
-          <a:prstGeom prst="rect">
-            <a:avLst/>
-          </a:prstGeom>
-          <a:solidFill>
-            <a:schemeClr val="bg1"/>
-          </a:solidFill>
-        </p:spPr>
-        <p:txBody>
-          <a:bodyPr wrap="square" rtlCol="0">
-            <a:spAutoFit/>
-          </a:bodyPr>
-          <a:lstStyle/>
-          <a:p>
-            <a:r>
-              <a:rPr lang="en-US" sz="1100" dirty="0" smtClean="0">
-                <a:solidFill>
-                  <a:srgbClr val="000000"/>
-                </a:solidFill>
-              </a:rPr>
-              <a:t>No</a:t>
-            </a:r>
+      <p:sp>
+        <p:nvSpPr>
+          <p:cNvPr id="4" name="Title 3"/>
+          <p:cNvSpPr>
+            <a:spLocks noGrp="1"/>
+          </p:cNvSpPr>
+          <p:nvPr>
+            <p:ph type="title"/>
+          </p:nvPr>
+        </p:nvSpPr>
+        <p:spPr/>
+        <p:txBody>
+          <a:bodyPr/>
+          <a:lstStyle/>
+          <a:p>
+            <a:r>
+              <a:rPr lang="en-US" dirty="0" smtClean="0"/>
+              <a:t>Scatter Plots</a:t>
+            </a:r>
+            <a:endParaRPr lang="en-US" dirty="0"/>
+          </a:p>
+        </p:txBody>
+      </p:sp>
+      <p:sp>
+        <p:nvSpPr>
+          <p:cNvPr id="5" name="Text Placeholder 4"/>
+          <p:cNvSpPr>
+            <a:spLocks noGrp="1"/>
+          </p:cNvSpPr>
+          <p:nvPr>
+            <p:ph type="body" idx="1"/>
+          </p:nvPr>
+        </p:nvSpPr>
+        <p:spPr/>
+        <p:txBody>
+          <a:bodyPr/>
+          <a:lstStyle/>
+          <a:p>
+            <a:r>
+              <a:rPr lang="en-US" dirty="0" smtClean="0"/>
+              <a:t>Part 2</a:t>
+            </a:r>
+            <a:endParaRPr lang="en-US" dirty="0"/>
           </a:p>
         </p:txBody>
       </p:sp>
     </p:spTree>
     <p:extLst>
       <p:ext uri="{BB962C8B-B14F-4D97-AF65-F5344CB8AC3E}">
-        <p14:creationId xmlns:p14="http://schemas.microsoft.com/office/powerpoint/2010/main" val="2533097390"/>
+        <p14:creationId xmlns:p14="http://schemas.microsoft.com/office/powerpoint/2010/main" val="775461832"/>
       </p:ext>
     </p:extLst>
   </p:cSld>
@@ -5397,6 +5436,13 @@
   <p:clrMapOvr>
     <a:masterClrMapping/>
   </p:clrMapOvr>
+  <p:timing>
+    <p:tnLst>
+      <p:par>
+        <p:cTn xmlns:p14="http://schemas.microsoft.com/office/powerpoint/2010/main" id="1" dur="indefinite" restart="never" nodeType="tmRoot"/>
+      </p:par>
+    </p:tnLst>
+  </p:timing>
 </p:sld>
 </file>
 
@@ -5451,6 +5497,13 @@
   <p:clrMapOvr>
     <a:masterClrMapping/>
   </p:clrMapOvr>
+  <p:timing>
+    <p:tnLst>
+      <p:par>
+        <p:cTn xmlns:p14="http://schemas.microsoft.com/office/powerpoint/2010/main" id="1" dur="indefinite" restart="never" nodeType="tmRoot"/>
+      </p:par>
+    </p:tnLst>
+  </p:timing>
 </p:sld>
 </file>
 
@@ -5505,6 +5558,135 @@
   <p:clrMapOvr>
     <a:masterClrMapping/>
   </p:clrMapOvr>
+  <p:timing>
+    <p:tnLst>
+      <p:par>
+        <p:cTn xmlns:p14="http://schemas.microsoft.com/office/powerpoint/2010/main" id="1" dur="indefinite" restart="never" nodeType="tmRoot"/>
+      </p:par>
+    </p:tnLst>
+  </p:timing>
+</p:sld>
+</file>
+
+<file path=ppt/slides/slide28.xml><?xml version="1.0" encoding="utf-8"?>
+<p:sld xmlns:a="http://schemas.openxmlformats.org/drawingml/2006/main" xmlns:r="http://schemas.openxmlformats.org/officeDocument/2006/relationships" xmlns:p="http://schemas.openxmlformats.org/presentationml/2006/main">
+  <p:cSld>
+    <p:spTree>
+      <p:nvGrpSpPr>
+        <p:cNvPr id="1" name=""/>
+        <p:cNvGrpSpPr/>
+        <p:nvPr/>
+      </p:nvGrpSpPr>
+      <p:grpSpPr>
+        <a:xfrm>
+          <a:off x="0" y="0"/>
+          <a:ext cx="0" cy="0"/>
+          <a:chOff x="0" y="0"/>
+          <a:chExt cx="0" cy="0"/>
+        </a:xfrm>
+      </p:grpSpPr>
+      <p:pic>
+        <p:nvPicPr>
+          <p:cNvPr id="4" name="Picture 3"/>
+          <p:cNvPicPr>
+            <a:picLocks noChangeAspect="1"/>
+          </p:cNvPicPr>
+          <p:nvPr/>
+        </p:nvPicPr>
+        <p:blipFill>
+          <a:blip r:embed="rId2"/>
+          <a:stretch>
+            <a:fillRect/>
+          </a:stretch>
+        </p:blipFill>
+        <p:spPr>
+          <a:xfrm>
+            <a:off x="1193800" y="0"/>
+            <a:ext cx="6754440" cy="6858000"/>
+          </a:xfrm>
+          <a:prstGeom prst="rect">
+            <a:avLst/>
+          </a:prstGeom>
+        </p:spPr>
+      </p:pic>
+    </p:spTree>
+    <p:extLst>
+      <p:ext uri="{BB962C8B-B14F-4D97-AF65-F5344CB8AC3E}">
+        <p14:creationId xmlns:p14="http://schemas.microsoft.com/office/powerpoint/2010/main" val="3280400973"/>
+      </p:ext>
+    </p:extLst>
+  </p:cSld>
+  <p:clrMapOvr>
+    <a:masterClrMapping/>
+  </p:clrMapOvr>
+  <p:timing>
+    <p:tnLst>
+      <p:par>
+        <p:cTn xmlns:p14="http://schemas.microsoft.com/office/powerpoint/2010/main" id="1" dur="indefinite" restart="never" nodeType="tmRoot"/>
+      </p:par>
+    </p:tnLst>
+  </p:timing>
+</p:sld>
+</file>
+
+<file path=ppt/slides/slide29.xml><?xml version="1.0" encoding="utf-8"?>
+<p:sld xmlns:a="http://schemas.openxmlformats.org/drawingml/2006/main" xmlns:r="http://schemas.openxmlformats.org/officeDocument/2006/relationships" xmlns:p="http://schemas.openxmlformats.org/presentationml/2006/main">
+  <p:cSld>
+    <p:spTree>
+      <p:nvGrpSpPr>
+        <p:cNvPr id="1" name=""/>
+        <p:cNvGrpSpPr/>
+        <p:nvPr/>
+      </p:nvGrpSpPr>
+      <p:grpSpPr>
+        <a:xfrm>
+          <a:off x="0" y="0"/>
+          <a:ext cx="0" cy="0"/>
+          <a:chOff x="0" y="0"/>
+          <a:chExt cx="0" cy="0"/>
+        </a:xfrm>
+      </p:grpSpPr>
+      <p:pic>
+        <p:nvPicPr>
+          <p:cNvPr id="4" name="Picture 3"/>
+          <p:cNvPicPr>
+            <a:picLocks noChangeAspect="1"/>
+          </p:cNvPicPr>
+          <p:nvPr/>
+        </p:nvPicPr>
+        <p:blipFill>
+          <a:blip r:embed="rId2"/>
+          <a:stretch>
+            <a:fillRect/>
+          </a:stretch>
+        </p:blipFill>
+        <p:spPr>
+          <a:xfrm>
+            <a:off x="1206500" y="0"/>
+            <a:ext cx="6708913" cy="6858000"/>
+          </a:xfrm>
+          <a:prstGeom prst="rect">
+            <a:avLst/>
+          </a:prstGeom>
+        </p:spPr>
+      </p:pic>
+    </p:spTree>
+    <p:extLst>
+      <p:ext uri="{BB962C8B-B14F-4D97-AF65-F5344CB8AC3E}">
+        <p14:creationId xmlns:p14="http://schemas.microsoft.com/office/powerpoint/2010/main" val="4224642051"/>
+      </p:ext>
+    </p:extLst>
+  </p:cSld>
+  <p:clrMapOvr>
+    <a:masterClrMapping/>
+  </p:clrMapOvr>
+  <p:timing>
+    <p:tnLst>
+      <p:par>
+        <p:cTn xmlns:p14="http://schemas.microsoft.com/office/powerpoint/2010/main" id="1" dur="indefinite" restart="never" nodeType="tmRoot"/>
+      </p:par>
+    </p:tnLst>
+  </p:timing>
 </p:sld>
 </file>
 
@@ -5541,8 +5723,8 @@
         </p:blipFill>
         <p:spPr>
           <a:xfrm>
-            <a:off x="171278" y="0"/>
-            <a:ext cx="6766101" cy="6858000"/>
+            <a:off x="274984" y="0"/>
+            <a:ext cx="6755130" cy="6858000"/>
           </a:xfrm>
           <a:prstGeom prst="rect">
             <a:avLst/>
@@ -5557,8 +5739,42 @@
         </p:nvSpPr>
         <p:spPr>
           <a:xfrm>
-            <a:off x="1297092" y="6444257"/>
-            <a:ext cx="5999163" cy="261610"/>
+            <a:off x="7161135" y="2765337"/>
+            <a:ext cx="1878150" cy="369332"/>
+          </a:xfrm>
+          <a:prstGeom prst="rect">
+            <a:avLst/>
+          </a:prstGeom>
+          <a:noFill/>
+        </p:spPr>
+        <p:txBody>
+          <a:bodyPr wrap="square" rtlCol="0">
+            <a:spAutoFit/>
+          </a:bodyPr>
+          <a:lstStyle/>
+          <a:p>
+            <a:r>
+              <a:rPr lang="en-US" b="1" dirty="0" smtClean="0"/>
+              <a:t>Men </a:t>
+            </a:r>
+            <a:r>
+              <a:rPr lang="en-US" dirty="0" smtClean="0"/>
+              <a:t>earn more.</a:t>
+            </a:r>
+            <a:endParaRPr lang="en-US" dirty="0"/>
+          </a:p>
+        </p:txBody>
+      </p:sp>
+      <p:sp>
+        <p:nvSpPr>
+          <p:cNvPr id="6" name="TextBox 5"/>
+          <p:cNvSpPr txBox="1"/>
+          <p:nvPr/>
+        </p:nvSpPr>
+        <p:spPr>
+          <a:xfrm>
+            <a:off x="2175347" y="6430747"/>
+            <a:ext cx="3850832" cy="261610"/>
           </a:xfrm>
           <a:prstGeom prst="rect">
             <a:avLst/>
@@ -5575,27 +5791,90 @@
           <a:p>
             <a:r>
               <a:rPr lang="en-US" sz="1100" dirty="0" smtClean="0"/>
-              <a:t>Veg + Eggs	       Non veg	                  Veg		          Jain		Doesn’t matter</a:t>
+              <a:t>Women							Men</a:t>
             </a:r>
             <a:endParaRPr lang="en-US" sz="1100" dirty="0"/>
           </a:p>
         </p:txBody>
       </p:sp>
-      <p:sp>
-        <p:nvSpPr>
-          <p:cNvPr id="6" name="TextBox 5"/>
+    </p:spTree>
+    <p:extLst>
+      <p:ext uri="{BB962C8B-B14F-4D97-AF65-F5344CB8AC3E}">
+        <p14:creationId xmlns:p14="http://schemas.microsoft.com/office/powerpoint/2010/main" val="1756954838"/>
+      </p:ext>
+    </p:extLst>
+  </p:cSld>
+  <p:clrMapOvr>
+    <a:masterClrMapping/>
+  </p:clrMapOvr>
+  <p:timing>
+    <p:tnLst>
+      <p:par>
+        <p:cTn xmlns:p14="http://schemas.microsoft.com/office/powerpoint/2010/main" id="1" dur="indefinite" restart="never" nodeType="tmRoot"/>
+      </p:par>
+    </p:tnLst>
+  </p:timing>
+</p:sld>
+</file>
+
+<file path=ppt/slides/slide30.xml><?xml version="1.0" encoding="utf-8"?>
+<p:sld xmlns:a="http://schemas.openxmlformats.org/drawingml/2006/main" xmlns:r="http://schemas.openxmlformats.org/officeDocument/2006/relationships" xmlns:p="http://schemas.openxmlformats.org/presentationml/2006/main">
+  <p:cSld>
+    <p:spTree>
+      <p:nvGrpSpPr>
+        <p:cNvPr id="1" name=""/>
+        <p:cNvGrpSpPr/>
+        <p:nvPr/>
+      </p:nvGrpSpPr>
+      <p:grpSpPr>
+        <a:xfrm>
+          <a:off x="0" y="0"/>
+          <a:ext cx="0" cy="0"/>
+          <a:chOff x="0" y="0"/>
+          <a:chExt cx="0" cy="0"/>
+        </a:xfrm>
+      </p:grpSpPr>
+      <p:pic>
+        <p:nvPicPr>
+          <p:cNvPr id="4" name="Picture 3"/>
+          <p:cNvPicPr>
+            <a:picLocks noChangeAspect="1"/>
+          </p:cNvPicPr>
+          <p:nvPr/>
+        </p:nvPicPr>
+        <p:blipFill>
+          <a:blip r:embed="rId2"/>
+          <a:stretch>
+            <a:fillRect/>
+          </a:stretch>
+        </p:blipFill>
+        <p:spPr>
+          <a:xfrm>
+            <a:off x="800100" y="444500"/>
+            <a:ext cx="7543800" cy="5969000"/>
+          </a:xfrm>
+          <a:prstGeom prst="rect">
+            <a:avLst/>
+          </a:prstGeom>
+        </p:spPr>
+      </p:pic>
+      <p:sp>
+        <p:nvSpPr>
+          <p:cNvPr id="5" name="TextBox 4"/>
           <p:cNvSpPr txBox="1"/>
           <p:nvPr/>
         </p:nvSpPr>
         <p:spPr>
           <a:xfrm>
-            <a:off x="7161135" y="2765337"/>
-            <a:ext cx="1878150" cy="1754327"/>
-          </a:xfrm>
-          <a:prstGeom prst="rect">
-            <a:avLst/>
-          </a:prstGeom>
-          <a:noFill/>
+            <a:off x="1878128" y="426070"/>
+            <a:ext cx="283735" cy="261610"/>
+          </a:xfrm>
+          <a:prstGeom prst="rect">
+            <a:avLst/>
+          </a:prstGeom>
+          <a:solidFill>
+            <a:schemeClr val="bg1"/>
+          </a:solidFill>
         </p:spPr>
         <p:txBody>
           <a:bodyPr wrap="square" rtlCol="0">
@@ -5604,25 +5883,55 @@
           <a:lstStyle/>
           <a:p>
             <a:r>
-              <a:rPr lang="en-US" dirty="0" smtClean="0"/>
-              <a:t>The more liberal your diet, the more you earn (only exception is </a:t>
-            </a:r>
-            <a:r>
-              <a:rPr lang="en-US" dirty="0" err="1" smtClean="0"/>
-              <a:t>veg+eggs</a:t>
-            </a:r>
-            <a:r>
-              <a:rPr lang="en-US" dirty="0" smtClean="0"/>
-              <a:t> and non-veg)</a:t>
-            </a:r>
-            <a:endParaRPr lang="en-US" dirty="0"/>
+              <a:rPr lang="en-US" sz="1100" dirty="0" smtClean="0">
+                <a:solidFill>
+                  <a:srgbClr val="000000"/>
+                </a:solidFill>
+              </a:rPr>
+              <a:t>Y</a:t>
+            </a:r>
+          </a:p>
+        </p:txBody>
+      </p:sp>
+      <p:sp>
+        <p:nvSpPr>
+          <p:cNvPr id="8" name="TextBox 7"/>
+          <p:cNvSpPr txBox="1"/>
+          <p:nvPr/>
+        </p:nvSpPr>
+        <p:spPr>
+          <a:xfrm>
+            <a:off x="2378054" y="385540"/>
+            <a:ext cx="310762" cy="430887"/>
+          </a:xfrm>
+          <a:prstGeom prst="rect">
+            <a:avLst/>
+          </a:prstGeom>
+          <a:solidFill>
+            <a:schemeClr val="bg1"/>
+          </a:solidFill>
+        </p:spPr>
+        <p:txBody>
+          <a:bodyPr wrap="square" rtlCol="0">
+            <a:spAutoFit/>
+          </a:bodyPr>
+          <a:lstStyle/>
+          <a:p>
+            <a:r>
+              <a:rPr lang="en-US" sz="1100" dirty="0" smtClean="0">
+                <a:solidFill>
+                  <a:srgbClr val="000000"/>
+                </a:solidFill>
+              </a:rPr>
+              <a:t>No</a:t>
+            </a:r>
           </a:p>
         </p:txBody>
       </p:sp>
     </p:spTree>
     <p:extLst>
       <p:ext uri="{BB962C8B-B14F-4D97-AF65-F5344CB8AC3E}">
-        <p14:creationId xmlns:p14="http://schemas.microsoft.com/office/powerpoint/2010/main" val="3644159297"/>
+        <p14:creationId xmlns:p14="http://schemas.microsoft.com/office/powerpoint/2010/main" val="2533097390"/>
       </p:ext>
     </p:extLst>
   </p:cSld>
@@ -5672,8 +5981,8 @@
         </p:blipFill>
         <p:spPr>
           <a:xfrm>
-            <a:off x="343356" y="0"/>
-            <a:ext cx="6766101" cy="6858000"/>
+            <a:off x="275796" y="0"/>
+            <a:ext cx="6766254" cy="6858000"/>
           </a:xfrm>
           <a:prstGeom prst="rect">
             <a:avLst/>
@@ -5682,13 +5991,13 @@
       </p:pic>
       <p:sp>
         <p:nvSpPr>
-          <p:cNvPr id="5" name="TextBox 4"/>
+          <p:cNvPr id="6" name="TextBox 5"/>
           <p:cNvSpPr txBox="1"/>
           <p:nvPr/>
         </p:nvSpPr>
         <p:spPr>
           <a:xfrm>
-            <a:off x="1499772" y="6444257"/>
+            <a:off x="1432212" y="6403727"/>
             <a:ext cx="5999163" cy="261610"/>
           </a:xfrm>
           <a:prstGeom prst="rect">
@@ -5706,7 +6015,7 @@
           <a:p>
             <a:r>
               <a:rPr lang="en-US" sz="1100" dirty="0" smtClean="0"/>
-              <a:t>Never married	      	Divorced 	                 Widowed	          		Annulled</a:t>
+              <a:t>Upper middle	       Middle	             High class	 Rich/affluent	       Doesn’t matter</a:t>
             </a:r>
             <a:endParaRPr lang="en-US" sz="1100" dirty="0"/>
           </a:p>
@@ -5714,14 +6023,14 @@
       </p:sp>
       <p:sp>
         <p:nvSpPr>
-          <p:cNvPr id="6" name="TextBox 5"/>
+          <p:cNvPr id="7" name="TextBox 6"/>
           <p:cNvSpPr txBox="1"/>
           <p:nvPr/>
         </p:nvSpPr>
         <p:spPr>
           <a:xfrm>
             <a:off x="7161135" y="2765337"/>
-            <a:ext cx="1878150" cy="923330"/>
+            <a:ext cx="1878150" cy="1477328"/>
           </a:xfrm>
           <a:prstGeom prst="rect">
             <a:avLst/>
@@ -5736,7 +6045,7 @@
           <a:p>
             <a:r>
               <a:rPr lang="en-US" dirty="0" smtClean="0"/>
-              <a:t>Divorced earn more than widowed.</a:t>
+              <a:t>Economic class / status and average income are very well correlated.</a:t>
             </a:r>
             <a:endParaRPr lang="en-US" dirty="0"/>
           </a:p>
@@ -5745,7 +6054,7 @@
     </p:spTree>
     <p:extLst>
       <p:ext uri="{BB962C8B-B14F-4D97-AF65-F5344CB8AC3E}">
-        <p14:creationId xmlns:p14="http://schemas.microsoft.com/office/powerpoint/2010/main" val="1366782764"/>
+        <p14:creationId xmlns:p14="http://schemas.microsoft.com/office/powerpoint/2010/main" val="4201316175"/>
       </p:ext>
     </p:extLst>
   </p:cSld>
@@ -5795,8 +6104,8 @@
         </p:blipFill>
         <p:spPr>
           <a:xfrm>
-            <a:off x="274984" y="0"/>
-            <a:ext cx="6732270" cy="6858000"/>
+            <a:off x="171278" y="0"/>
+            <a:ext cx="6766101" cy="6858000"/>
           </a:xfrm>
           <a:prstGeom prst="rect">
             <a:avLst/>
@@ -5811,7 +6120,7 @@
         </p:nvSpPr>
         <p:spPr>
           <a:xfrm>
-            <a:off x="1161972" y="6417237"/>
+            <a:off x="1297092" y="6444257"/>
             <a:ext cx="5999163" cy="261610"/>
           </a:xfrm>
           <a:prstGeom prst="rect">
@@ -5829,7 +6138,7 @@
           <a:p>
             <a:r>
               <a:rPr lang="en-US" sz="1100" dirty="0" smtClean="0"/>
-              <a:t>	Joint  		    	Nuclear 	                 Others	          	Doesn’t matter</a:t>
+              <a:t>Veg + Eggs	       Non veg	                  Veg		          Jain		Doesn’t matter</a:t>
             </a:r>
             <a:endParaRPr lang="en-US" sz="1100" dirty="0"/>
           </a:p>
@@ -5844,7 +6153,7 @@
         <p:spPr>
           <a:xfrm>
             <a:off x="7161135" y="2765337"/>
-            <a:ext cx="1878150" cy="646331"/>
+            <a:ext cx="1878150" cy="1754327"/>
           </a:xfrm>
           <a:prstGeom prst="rect">
             <a:avLst/>
@@ -5859,7 +6168,15 @@
           <a:p>
             <a:r>
               <a:rPr lang="en-US" dirty="0" smtClean="0"/>
-              <a:t>Joint family men/women earn less.</a:t>
+              <a:t>The more liberal your diet, the more you earn (only exception is </a:t>
+            </a:r>
+            <a:r>
+              <a:rPr lang="en-US" dirty="0" err="1" smtClean="0"/>
+              <a:t>veg+eggs</a:t>
+            </a:r>
+            <a:r>
+              <a:rPr lang="en-US" dirty="0" smtClean="0"/>
+              <a:t> and non-veg)</a:t>
             </a:r>
             <a:endParaRPr lang="en-US" dirty="0"/>
           </a:p>
@@ -5868,13 +6185,20 @@
     </p:spTree>
     <p:extLst>
       <p:ext uri="{BB962C8B-B14F-4D97-AF65-F5344CB8AC3E}">
-        <p14:creationId xmlns:p14="http://schemas.microsoft.com/office/powerpoint/2010/main" val="464687841"/>
+        <p14:creationId xmlns:p14="http://schemas.microsoft.com/office/powerpoint/2010/main" val="3644159297"/>
       </p:ext>
     </p:extLst>
   </p:cSld>
   <p:clrMapOvr>
     <a:masterClrMapping/>
   </p:clrMapOvr>
+  <p:timing>
+    <p:tnLst>
+      <p:par>
+        <p:cTn xmlns:p14="http://schemas.microsoft.com/office/powerpoint/2010/main" id="1" dur="indefinite" restart="never" nodeType="tmRoot"/>
+      </p:par>
+    </p:tnLst>
+  </p:timing>
 </p:sld>
 </file>
 
@@ -5911,8 +6235,8 @@
         </p:blipFill>
         <p:spPr>
           <a:xfrm>
-            <a:off x="328220" y="0"/>
-            <a:ext cx="6709657" cy="6858000"/>
+            <a:off x="343356" y="0"/>
+            <a:ext cx="6766101" cy="6858000"/>
           </a:xfrm>
           <a:prstGeom prst="rect">
             <a:avLst/>
@@ -5927,7 +6251,7 @@
         </p:nvSpPr>
         <p:spPr>
           <a:xfrm>
-            <a:off x="1243044" y="6403727"/>
+            <a:off x="1499772" y="6444257"/>
             <a:ext cx="5999163" cy="261610"/>
           </a:xfrm>
           <a:prstGeom prst="rect">
@@ -5945,27 +6269,7 @@
           <a:p>
             <a:r>
               <a:rPr lang="en-US" sz="1100" dirty="0" smtClean="0"/>
-              <a:t>	</a:t>
-            </a:r>
-            <a:r>
-              <a:rPr lang="en-US" sz="1100" b="1" dirty="0" smtClean="0">
-                <a:solidFill>
-                  <a:srgbClr val="FF0000"/>
-                </a:solidFill>
-              </a:rPr>
-              <a:t>Yes</a:t>
-            </a:r>
-            <a:r>
-              <a:rPr lang="en-US" sz="1100" dirty="0" smtClean="0"/>
-              <a:t>     			No	                 	</a:t>
-            </a:r>
-            <a:r>
-              <a:rPr lang="en-US" sz="1100" dirty="0" err="1" smtClean="0"/>
-              <a:t>Anshik</a:t>
-            </a:r>
-            <a:r>
-              <a:rPr lang="en-US" sz="1100" dirty="0" smtClean="0"/>
-              <a:t>	          		Don’t know</a:t>
+              <a:t>Never married	      	Divorced 	                 Widowed	          		Annulled</a:t>
             </a:r>
             <a:endParaRPr lang="en-US" sz="1100" dirty="0"/>
           </a:p>
@@ -5980,7 +6284,7 @@
         <p:spPr>
           <a:xfrm>
             <a:off x="7161135" y="2765337"/>
-            <a:ext cx="1878150" cy="1754327"/>
+            <a:ext cx="1878150" cy="923330"/>
           </a:xfrm>
           <a:prstGeom prst="rect">
             <a:avLst/>
@@ -5994,12 +6298,8 @@
           <a:lstStyle/>
           <a:p>
             <a:r>
-              <a:rPr lang="en-US" dirty="0" err="1" smtClean="0"/>
-              <a:t>Manglik</a:t>
-            </a:r>
-            <a:r>
               <a:rPr lang="en-US" dirty="0" smtClean="0"/>
-              <a:t> (which is considered astrologically unfavorable for marriage) people earn less.</a:t>
+              <a:t>Divorced earn more than widowed.</a:t>
             </a:r>
             <a:endParaRPr lang="en-US" dirty="0"/>
           </a:p>
@@ -6008,13 +6308,20 @@
     </p:spTree>
     <p:extLst>
       <p:ext uri="{BB962C8B-B14F-4D97-AF65-F5344CB8AC3E}">
-        <p14:creationId xmlns:p14="http://schemas.microsoft.com/office/powerpoint/2010/main" val="1564455663"/>
+        <p14:creationId xmlns:p14="http://schemas.microsoft.com/office/powerpoint/2010/main" val="1366782764"/>
       </p:ext>
     </p:extLst>
   </p:cSld>
   <p:clrMapOvr>
     <a:masterClrMapping/>
   </p:clrMapOvr>
+  <p:timing>
+    <p:tnLst>
+      <p:par>
+        <p:cTn xmlns:p14="http://schemas.microsoft.com/office/powerpoint/2010/main" id="1" dur="indefinite" restart="never" nodeType="tmRoot"/>
+      </p:par>
+    </p:tnLst>
+  </p:timing>
 </p:sld>
 </file>
 
@@ -6051,8 +6358,8 @@
         </p:blipFill>
         <p:spPr>
           <a:xfrm>
-            <a:off x="342544" y="0"/>
-            <a:ext cx="6732479" cy="6858000"/>
+            <a:off x="274984" y="0"/>
+            <a:ext cx="6732270" cy="6858000"/>
           </a:xfrm>
           <a:prstGeom prst="rect">
             <a:avLst/>
@@ -6067,8 +6374,8 @@
         </p:nvSpPr>
         <p:spPr>
           <a:xfrm>
-            <a:off x="2337491" y="6430747"/>
-            <a:ext cx="3850832" cy="261610"/>
+            <a:off x="1161972" y="6417237"/>
+            <a:ext cx="5999163" cy="261610"/>
           </a:xfrm>
           <a:prstGeom prst="rect">
             <a:avLst/>
@@ -6085,7 +6392,7 @@
           <a:p>
             <a:r>
               <a:rPr lang="en-US" sz="1100" dirty="0" smtClean="0"/>
-              <a:t>Yes							No</a:t>
+              <a:t>	Joint  		    	Nuclear 	                 Others	          	Doesn’t matter</a:t>
             </a:r>
             <a:endParaRPr lang="en-US" sz="1100" dirty="0"/>
           </a:p>
@@ -6100,7 +6407,7 @@
         <p:spPr>
           <a:xfrm>
             <a:off x="7161135" y="2765337"/>
-            <a:ext cx="1878150" cy="1754327"/>
+            <a:ext cx="1878150" cy="646331"/>
           </a:xfrm>
           <a:prstGeom prst="rect">
             <a:avLst/>
@@ -6115,7 +6422,7 @@
           <a:p>
             <a:r>
               <a:rPr lang="en-US" dirty="0" smtClean="0"/>
-              <a:t>People who aren’t interested in horoscope matching have slightly higher average income.</a:t>
+              <a:t>Joint family men/women earn less.</a:t>
             </a:r>
             <a:endParaRPr lang="en-US" dirty="0"/>
           </a:p>
@@ -6124,13 +6431,20 @@
     </p:spTree>
     <p:extLst>
       <p:ext uri="{BB962C8B-B14F-4D97-AF65-F5344CB8AC3E}">
-        <p14:creationId xmlns:p14="http://schemas.microsoft.com/office/powerpoint/2010/main" val="298117021"/>
+        <p14:creationId xmlns:p14="http://schemas.microsoft.com/office/powerpoint/2010/main" val="464687841"/>
       </p:ext>
     </p:extLst>
   </p:cSld>
   <p:clrMapOvr>
     <a:masterClrMapping/>
   </p:clrMapOvr>
+  <p:timing>
+    <p:tnLst>
+      <p:par>
+        <p:cTn xmlns:p14="http://schemas.microsoft.com/office/powerpoint/2010/main" id="1" dur="indefinite" restart="never" nodeType="tmRoot"/>
+      </p:par>
+    </p:tnLst>
+  </p:timing>
 </p:sld>
 </file>
 
@@ -6167,8 +6481,8 @@
         </p:blipFill>
         <p:spPr>
           <a:xfrm>
-            <a:off x="276629" y="0"/>
-            <a:ext cx="6789075" cy="6858000"/>
+            <a:off x="328220" y="0"/>
+            <a:ext cx="6709657" cy="6858000"/>
           </a:xfrm>
           <a:prstGeom prst="rect">
             <a:avLst/>
@@ -6183,13 +6497,15 @@
         </p:nvSpPr>
         <p:spPr>
           <a:xfrm>
-            <a:off x="7161135" y="2765337"/>
-            <a:ext cx="1878150" cy="1477328"/>
-          </a:xfrm>
-          <a:prstGeom prst="rect">
-            <a:avLst/>
-          </a:prstGeom>
-          <a:noFill/>
+            <a:off x="1243044" y="6403727"/>
+            <a:ext cx="5999163" cy="261610"/>
+          </a:xfrm>
+          <a:prstGeom prst="rect">
+            <a:avLst/>
+          </a:prstGeom>
+          <a:solidFill>
+            <a:schemeClr val="bg1"/>
+          </a:solidFill>
         </p:spPr>
         <p:txBody>
           <a:bodyPr wrap="square" rtlCol="0">
@@ -6198,10 +6514,30 @@
           <a:lstStyle/>
           <a:p>
             <a:r>
-              <a:rPr lang="en-US" dirty="0" smtClean="0"/>
-              <a:t>People who aren’t interested in caste have higher average income.</a:t>
-            </a:r>
-            <a:endParaRPr lang="en-US" dirty="0"/>
+              <a:rPr lang="en-US" sz="1100" dirty="0" smtClean="0"/>
+              <a:t>	</a:t>
+            </a:r>
+            <a:r>
+              <a:rPr lang="en-US" sz="1100" b="1" dirty="0" smtClean="0">
+                <a:solidFill>
+                  <a:srgbClr val="FF0000"/>
+                </a:solidFill>
+              </a:rPr>
+              <a:t>Yes</a:t>
+            </a:r>
+            <a:r>
+              <a:rPr lang="en-US" sz="1100" dirty="0" smtClean="0"/>
+              <a:t>     			No	                 	</a:t>
+            </a:r>
+            <a:r>
+              <a:rPr lang="en-US" sz="1100" dirty="0" err="1" smtClean="0"/>
+              <a:t>Anshik</a:t>
+            </a:r>
+            <a:r>
+              <a:rPr lang="en-US" sz="1100" dirty="0" smtClean="0"/>
+              <a:t>	          		Don’t know</a:t>
+            </a:r>
+            <a:endParaRPr lang="en-US" sz="1100" dirty="0"/>
           </a:p>
         </p:txBody>
       </p:sp>
@@ -6213,15 +6549,13 @@
         </p:nvSpPr>
         <p:spPr>
           <a:xfrm>
-            <a:off x="1715952" y="6403727"/>
-            <a:ext cx="5999163" cy="261610"/>
-          </a:xfrm>
-          <a:prstGeom prst="rect">
-            <a:avLst/>
-          </a:prstGeom>
-          <a:solidFill>
-            <a:schemeClr val="bg1"/>
-          </a:solidFill>
+            <a:off x="7161135" y="2765337"/>
+            <a:ext cx="1878150" cy="1754327"/>
+          </a:xfrm>
+          <a:prstGeom prst="rect">
+            <a:avLst/>
+          </a:prstGeom>
+          <a:noFill/>
         </p:spPr>
         <p:txBody>
           <a:bodyPr wrap="square" rtlCol="0">
@@ -6230,23 +6564,34 @@
           <a:lstStyle/>
           <a:p>
             <a:r>
-              <a:rPr lang="en-US" sz="1100" dirty="0" smtClean="0"/>
-              <a:t>	Yes     							No</a:t>
-            </a:r>
-            <a:endParaRPr lang="en-US" sz="1100" dirty="0"/>
+              <a:rPr lang="en-US" dirty="0" err="1" smtClean="0"/>
+              <a:t>Manglik</a:t>
+            </a:r>
+            <a:r>
+              <a:rPr lang="en-US" dirty="0" smtClean="0"/>
+              <a:t> (which is considered astrologically unfavorable for marriage) people earn less.</a:t>
+            </a:r>
+            <a:endParaRPr lang="en-US" dirty="0"/>
           </a:p>
         </p:txBody>
       </p:sp>
     </p:spTree>
     <p:extLst>
       <p:ext uri="{BB962C8B-B14F-4D97-AF65-F5344CB8AC3E}">
-        <p14:creationId xmlns:p14="http://schemas.microsoft.com/office/powerpoint/2010/main" val="2704056639"/>
+        <p14:creationId xmlns:p14="http://schemas.microsoft.com/office/powerpoint/2010/main" val="1564455663"/>
       </p:ext>
     </p:extLst>
   </p:cSld>
   <p:clrMapOvr>
     <a:masterClrMapping/>
   </p:clrMapOvr>
+  <p:timing>
+    <p:tnLst>
+      <p:par>
+        <p:cTn xmlns:p14="http://schemas.microsoft.com/office/powerpoint/2010/main" id="1" dur="indefinite" restart="never" nodeType="tmRoot"/>
+      </p:par>
+    </p:tnLst>
+  </p:timing>
 </p:sld>
 </file>
 
@@ -6283,8 +6628,8 @@
         </p:blipFill>
         <p:spPr>
           <a:xfrm>
-            <a:off x="369590" y="0"/>
-            <a:ext cx="6743509" cy="6858000"/>
+            <a:off x="342544" y="0"/>
+            <a:ext cx="6732479" cy="6858000"/>
           </a:xfrm>
           <a:prstGeom prst="rect">
             <a:avLst/>
@@ -6299,13 +6644,15 @@
         </p:nvSpPr>
         <p:spPr>
           <a:xfrm>
-            <a:off x="7161135" y="2765337"/>
-            <a:ext cx="1878150" cy="2031325"/>
-          </a:xfrm>
-          <a:prstGeom prst="rect">
-            <a:avLst/>
-          </a:prstGeom>
-          <a:noFill/>
+            <a:off x="2337491" y="6430747"/>
+            <a:ext cx="3850832" cy="261610"/>
+          </a:xfrm>
+          <a:prstGeom prst="rect">
+            <a:avLst/>
+          </a:prstGeom>
+          <a:solidFill>
+            <a:schemeClr val="bg1"/>
+          </a:solidFill>
         </p:spPr>
         <p:txBody>
           <a:bodyPr wrap="square" rtlCol="0">
@@ -6314,10 +6661,10 @@
           <a:lstStyle/>
           <a:p>
             <a:r>
-              <a:rPr lang="en-US" dirty="0" smtClean="0"/>
-              <a:t>Men/women who live with their parents earn a lot less. Perhaps this is why they live with their parents.</a:t>
-            </a:r>
-            <a:endParaRPr lang="en-US" dirty="0"/>
+              <a:rPr lang="en-US" sz="1100" dirty="0" smtClean="0"/>
+              <a:t>Yes							No</a:t>
+            </a:r>
+            <a:endParaRPr lang="en-US" sz="1100" dirty="0"/>
           </a:p>
         </p:txBody>
       </p:sp>
@@ -6329,15 +6676,13 @@
         </p:nvSpPr>
         <p:spPr>
           <a:xfrm>
-            <a:off x="1864581" y="6403727"/>
-            <a:ext cx="4067028" cy="261610"/>
-          </a:xfrm>
-          <a:prstGeom prst="rect">
-            <a:avLst/>
-          </a:prstGeom>
-          <a:solidFill>
-            <a:schemeClr val="bg1"/>
-          </a:solidFill>
+            <a:off x="7161135" y="2765337"/>
+            <a:ext cx="1878150" cy="1754327"/>
+          </a:xfrm>
+          <a:prstGeom prst="rect">
+            <a:avLst/>
+          </a:prstGeom>
+          <a:noFill/>
         </p:spPr>
         <p:txBody>
           <a:bodyPr wrap="square" rtlCol="0">
@@ -6346,23 +6691,30 @@
           <a:lstStyle/>
           <a:p>
             <a:r>
-              <a:rPr lang="en-US" sz="1100" dirty="0" smtClean="0"/>
-              <a:t>	No     							Yes</a:t>
-            </a:r>
-            <a:endParaRPr lang="en-US" sz="1100" dirty="0"/>
+              <a:rPr lang="en-US" dirty="0" smtClean="0"/>
+              <a:t>People who aren’t interested in horoscope matching have slightly higher average income.</a:t>
+            </a:r>
+            <a:endParaRPr lang="en-US" dirty="0"/>
           </a:p>
         </p:txBody>
       </p:sp>
     </p:spTree>
     <p:extLst>
       <p:ext uri="{BB962C8B-B14F-4D97-AF65-F5344CB8AC3E}">
-        <p14:creationId xmlns:p14="http://schemas.microsoft.com/office/powerpoint/2010/main" val="95756679"/>
+        <p14:creationId xmlns:p14="http://schemas.microsoft.com/office/powerpoint/2010/main" val="298117021"/>
       </p:ext>
     </p:extLst>
   </p:cSld>
   <p:clrMapOvr>
     <a:masterClrMapping/>
   </p:clrMapOvr>
+  <p:timing>
+    <p:tnLst>
+      <p:par>
+        <p:cTn xmlns:p14="http://schemas.microsoft.com/office/powerpoint/2010/main" id="1" dur="indefinite" restart="never" nodeType="tmRoot"/>
+      </p:par>
+    </p:tnLst>
+  </p:timing>
 </p:sld>
 </file>
 
